--- a/��Ŀ����ʵս/Lesson 5 �ƻ��׶θ���.pptx
+++ b/��Ŀ����ʵս/Lesson 5 �ƻ��׶θ���.pptx
@@ -5,15 +5,16 @@
     <p:sldMasterId id="2147483660" r:id="rId1"/>
   </p:sldMasterIdLst>
   <p:notesMasterIdLst>
-    <p:notesMasterId r:id="rId8"/>
+    <p:notesMasterId r:id="rId9"/>
   </p:notesMasterIdLst>
   <p:sldIdLst>
     <p:sldId id="257" r:id="rId2"/>
-    <p:sldId id="260" r:id="rId3"/>
-    <p:sldId id="261" r:id="rId4"/>
-    <p:sldId id="262" r:id="rId5"/>
-    <p:sldId id="263" r:id="rId6"/>
-    <p:sldId id="264" r:id="rId7"/>
+    <p:sldId id="266" r:id="rId3"/>
+    <p:sldId id="260" r:id="rId4"/>
+    <p:sldId id="261" r:id="rId5"/>
+    <p:sldId id="262" r:id="rId6"/>
+    <p:sldId id="263" r:id="rId7"/>
+    <p:sldId id="264" r:id="rId8"/>
   </p:sldIdLst>
   <p:sldSz cx="9144000" cy="6858000" type="screen4x3"/>
   <p:notesSz cx="6858000" cy="9144000"/>
@@ -197,7 +198,7 @@
           <a:p>
             <a:fld id="{8B2801E3-CA6A-4A79-87E4-A028D49854B5}" type="datetimeFigureOut">
               <a:rPr lang="zh-CN" altLang="en-US" smtClean="0"/>
-              <a:t>2011/7/27</a:t>
+              <a:t>2011/8/3</a:t>
             </a:fld>
             <a:endParaRPr lang="zh-CN" altLang="en-US"/>
           </a:p>
@@ -674,7 +675,7 @@
           <a:p>
             <a:fld id="{530820CF-B880-4189-942D-D702A7CBA730}" type="datetimeFigureOut">
               <a:rPr lang="zh-CN" altLang="en-US" smtClean="0"/>
-              <a:t>2011/7/27</a:t>
+              <a:t>2011/8/3</a:t>
             </a:fld>
             <a:endParaRPr lang="zh-CN" altLang="en-US"/>
           </a:p>
@@ -907,7 +908,7 @@
           <a:p>
             <a:fld id="{530820CF-B880-4189-942D-D702A7CBA730}" type="datetimeFigureOut">
               <a:rPr lang="zh-CN" altLang="en-US" smtClean="0"/>
-              <a:t>2011/7/27</a:t>
+              <a:t>2011/8/3</a:t>
             </a:fld>
             <a:endParaRPr lang="zh-CN" altLang="en-US"/>
           </a:p>
@@ -1145,7 +1146,7 @@
           <a:p>
             <a:fld id="{530820CF-B880-4189-942D-D702A7CBA730}" type="datetimeFigureOut">
               <a:rPr lang="zh-CN" altLang="en-US" smtClean="0"/>
-              <a:t>2011/7/27</a:t>
+              <a:t>2011/8/3</a:t>
             </a:fld>
             <a:endParaRPr lang="zh-CN" altLang="en-US"/>
           </a:p>
@@ -1480,7 +1481,7 @@
           <a:p>
             <a:fld id="{530820CF-B880-4189-942D-D702A7CBA730}" type="datetimeFigureOut">
               <a:rPr lang="zh-CN" altLang="en-US" smtClean="0"/>
-              <a:t>2011/7/27</a:t>
+              <a:t>2011/8/3</a:t>
             </a:fld>
             <a:endParaRPr lang="zh-CN" altLang="en-US"/>
           </a:p>
@@ -1733,7 +1734,7 @@
           <a:p>
             <a:fld id="{530820CF-B880-4189-942D-D702A7CBA730}" type="datetimeFigureOut">
               <a:rPr lang="zh-CN" altLang="en-US" smtClean="0"/>
-              <a:t>2011/7/27</a:t>
+              <a:t>2011/8/3</a:t>
             </a:fld>
             <a:endParaRPr lang="zh-CN" altLang="en-US"/>
           </a:p>
@@ -2098,7 +2099,7 @@
           <a:p>
             <a:fld id="{530820CF-B880-4189-942D-D702A7CBA730}" type="datetimeFigureOut">
               <a:rPr lang="zh-CN" altLang="en-US" smtClean="0"/>
-              <a:t>2011/7/27</a:t>
+              <a:t>2011/8/3</a:t>
             </a:fld>
             <a:endParaRPr lang="zh-CN" altLang="en-US"/>
           </a:p>
@@ -2641,7 +2642,7 @@
           <a:p>
             <a:fld id="{530820CF-B880-4189-942D-D702A7CBA730}" type="datetimeFigureOut">
               <a:rPr lang="zh-CN" altLang="en-US" smtClean="0"/>
-              <a:t>2011/7/27</a:t>
+              <a:t>2011/8/3</a:t>
             </a:fld>
             <a:endParaRPr lang="zh-CN" altLang="en-US"/>
           </a:p>
@@ -2766,7 +2767,7 @@
           <a:p>
             <a:fld id="{530820CF-B880-4189-942D-D702A7CBA730}" type="datetimeFigureOut">
               <a:rPr lang="zh-CN" altLang="en-US" smtClean="0"/>
-              <a:t>2011/7/27</a:t>
+              <a:t>2011/8/3</a:t>
             </a:fld>
             <a:endParaRPr lang="zh-CN" altLang="en-US"/>
           </a:p>
@@ -2868,7 +2869,7 @@
           <a:p>
             <a:fld id="{530820CF-B880-4189-942D-D702A7CBA730}" type="datetimeFigureOut">
               <a:rPr lang="zh-CN" altLang="en-US" smtClean="0"/>
-              <a:t>2011/7/27</a:t>
+              <a:t>2011/8/3</a:t>
             </a:fld>
             <a:endParaRPr lang="zh-CN" altLang="en-US"/>
           </a:p>
@@ -3201,7 +3202,7 @@
           <a:p>
             <a:fld id="{530820CF-B880-4189-942D-D702A7CBA730}" type="datetimeFigureOut">
               <a:rPr lang="zh-CN" altLang="en-US" smtClean="0"/>
-              <a:t>2011/7/27</a:t>
+              <a:t>2011/8/3</a:t>
             </a:fld>
             <a:endParaRPr lang="zh-CN" altLang="en-US"/>
           </a:p>
@@ -3472,7 +3473,7 @@
           <a:p>
             <a:fld id="{530820CF-B880-4189-942D-D702A7CBA730}" type="datetimeFigureOut">
               <a:rPr lang="zh-CN" altLang="en-US" smtClean="0"/>
-              <a:t>2011/7/27</a:t>
+              <a:t>2011/8/3</a:t>
             </a:fld>
             <a:endParaRPr lang="zh-CN" altLang="en-US"/>
           </a:p>
@@ -3909,7 +3910,7 @@
           <a:p>
             <a:fld id="{530820CF-B880-4189-942D-D702A7CBA730}" type="datetimeFigureOut">
               <a:rPr lang="zh-CN" altLang="en-US" smtClean="0"/>
-              <a:t>2011/7/27</a:t>
+              <a:t>2011/8/3</a:t>
             </a:fld>
             <a:endParaRPr lang="zh-CN" altLang="en-US"/>
           </a:p>
@@ -4502,6 +4503,2112 @@
       </p:grpSpPr>
       <p:sp>
         <p:nvSpPr>
+          <p:cNvPr id="289794" name="Rectangle 2"/>
+          <p:cNvSpPr>
+            <a:spLocks noGrp="1" noChangeArrowheads="1"/>
+          </p:cNvSpPr>
+          <p:nvPr>
+            <p:ph type="title"/>
+          </p:nvPr>
+        </p:nvSpPr>
+        <p:spPr/>
+        <p:txBody>
+          <a:bodyPr/>
+          <a:lstStyle/>
+          <a:p>
+            <a:r>
+              <a:rPr lang="zh-CN" altLang="en-US" dirty="0" smtClean="0">
+                <a:ea typeface="宋体" charset="-122"/>
+              </a:rPr>
+              <a:t>什么是设计阶段</a:t>
+            </a:r>
+            <a:endParaRPr lang="en-US" altLang="zh-CN" dirty="0">
+              <a:ea typeface="宋体" charset="-122"/>
+            </a:endParaRPr>
+          </a:p>
+        </p:txBody>
+      </p:sp>
+      <p:sp>
+        <p:nvSpPr>
+          <p:cNvPr id="289800" name="Rectangle 8"/>
+          <p:cNvSpPr>
+            <a:spLocks noChangeArrowheads="1"/>
+          </p:cNvSpPr>
+          <p:nvPr/>
+        </p:nvSpPr>
+        <p:spPr bwMode="auto">
+          <a:xfrm>
+            <a:off x="1050925" y="1325563"/>
+            <a:ext cx="7026275" cy="4694237"/>
+          </a:xfrm>
+          <a:prstGeom prst="rect">
+            <a:avLst/>
+          </a:prstGeom>
+          <a:noFill/>
+          <a:ln>
+            <a:noFill/>
+          </a:ln>
+          <a:effectLst/>
+          <a:extLst>
+            <a:ext uri="{909E8E84-426E-40DD-AFC4-6F175D3DCCD1}">
+              <a14:hiddenFill xmlns:a14="http://schemas.microsoft.com/office/drawing/2010/main">
+                <a:solidFill>
+                  <a:schemeClr val="accent1"/>
+                </a:solidFill>
+              </a14:hiddenFill>
+            </a:ext>
+            <a:ext uri="{91240B29-F687-4F45-9708-019B960494DF}">
+              <a14:hiddenLine xmlns:a14="http://schemas.microsoft.com/office/drawing/2010/main" w="9525">
+                <a:solidFill>
+                  <a:schemeClr val="tx1"/>
+                </a:solidFill>
+                <a:miter lim="800000"/>
+                <a:headEnd/>
+                <a:tailEnd/>
+              </a14:hiddenLine>
+            </a:ext>
+            <a:ext uri="{AF507438-7753-43E0-B8FC-AC1667EBCBE1}">
+              <a14:hiddenEffects xmlns:a14="http://schemas.microsoft.com/office/drawing/2010/main">
+                <a:effectLst>
+                  <a:outerShdw dist="35921" dir="2700000" algn="ctr" rotWithShape="0">
+                    <a:schemeClr val="bg2"/>
+                  </a:outerShdw>
+                </a:effectLst>
+              </a14:hiddenEffects>
+            </a:ext>
+          </a:extLst>
+        </p:spPr>
+        <p:txBody>
+          <a:bodyPr lIns="0" tIns="0" rIns="0" bIns="0"/>
+          <a:lstStyle/>
+          <a:p>
+            <a:pPr marL="228600" indent="-228600" algn="l">
+              <a:lnSpc>
+                <a:spcPct val="90000"/>
+              </a:lnSpc>
+              <a:spcBef>
+                <a:spcPct val="40000"/>
+              </a:spcBef>
+              <a:buClr>
+                <a:srgbClr val="8DACD0"/>
+              </a:buClr>
+              <a:buSzPct val="70000"/>
+              <a:buFont typeface="Wingdings" pitchFamily="2" charset="2"/>
+              <a:buBlip>
+                <a:blip r:embed="rId2"/>
+              </a:buBlip>
+            </a:pPr>
+            <a:r>
+              <a:rPr lang="zh-CN" altLang="en-US" sz="2400" dirty="0" smtClean="0">
+                <a:ea typeface="宋体" charset="-122"/>
+              </a:rPr>
+              <a:t>处理构想阶段收集到的信息</a:t>
+            </a:r>
+            <a:endParaRPr lang="en-US" altLang="zh-CN" sz="2400" dirty="0">
+              <a:ea typeface="宋体" charset="-122"/>
+            </a:endParaRPr>
+          </a:p>
+        </p:txBody>
+      </p:sp>
+      <p:sp>
+        <p:nvSpPr>
+          <p:cNvPr id="289801" name="AutoShape 9"/>
+          <p:cNvSpPr>
+            <a:spLocks noChangeArrowheads="1"/>
+          </p:cNvSpPr>
+          <p:nvPr/>
+        </p:nvSpPr>
+        <p:spPr bwMode="auto">
+          <a:xfrm flipV="1">
+            <a:off x="1409700" y="2133600"/>
+            <a:ext cx="2514600" cy="4419600"/>
+          </a:xfrm>
+          <a:prstGeom prst="roundRect">
+            <a:avLst>
+              <a:gd name="adj" fmla="val 2931"/>
+            </a:avLst>
+          </a:prstGeom>
+          <a:gradFill rotWithShape="1">
+            <a:gsLst>
+              <a:gs pos="0">
+                <a:srgbClr val="EEEFD7">
+                  <a:alpha val="39999"/>
+                </a:srgbClr>
+              </a:gs>
+              <a:gs pos="100000">
+                <a:srgbClr val="EEEFD7"/>
+              </a:gs>
+            </a:gsLst>
+            <a:lin ang="5400000" scaled="1"/>
+          </a:gradFill>
+          <a:ln>
+            <a:noFill/>
+          </a:ln>
+          <a:effectLst/>
+          <a:extLst>
+            <a:ext uri="{91240B29-F687-4F45-9708-019B960494DF}">
+              <a14:hiddenLine xmlns:a14="http://schemas.microsoft.com/office/drawing/2010/main" w="6350" algn="ctr">
+                <a:solidFill>
+                  <a:schemeClr val="tx1"/>
+                </a:solidFill>
+                <a:round/>
+                <a:headEnd/>
+                <a:tailEnd/>
+              </a14:hiddenLine>
+            </a:ext>
+            <a:ext uri="{AF507438-7753-43E0-B8FC-AC1667EBCBE1}">
+              <a14:hiddenEffects xmlns:a14="http://schemas.microsoft.com/office/drawing/2010/main">
+                <a:effectLst>
+                  <a:outerShdw dist="35921" dir="2700000" algn="ctr" rotWithShape="0">
+                    <a:srgbClr val="808080"/>
+                  </a:outerShdw>
+                </a:effectLst>
+              </a14:hiddenEffects>
+            </a:ext>
+          </a:extLst>
+        </p:spPr>
+        <p:txBody>
+          <a:bodyPr/>
+          <a:lstStyle/>
+          <a:p>
+            <a:endParaRPr lang="zh-CN" altLang="en-US"/>
+          </a:p>
+        </p:txBody>
+      </p:sp>
+      <p:sp>
+        <p:nvSpPr>
+          <p:cNvPr id="289803" name="AutoShape 11"/>
+          <p:cNvSpPr>
+            <a:spLocks noChangeArrowheads="1"/>
+          </p:cNvSpPr>
+          <p:nvPr/>
+        </p:nvSpPr>
+        <p:spPr bwMode="auto">
+          <a:xfrm flipV="1">
+            <a:off x="4876800" y="2133600"/>
+            <a:ext cx="2514600" cy="4419600"/>
+          </a:xfrm>
+          <a:prstGeom prst="roundRect">
+            <a:avLst>
+              <a:gd name="adj" fmla="val 2931"/>
+            </a:avLst>
+          </a:prstGeom>
+          <a:gradFill rotWithShape="1">
+            <a:gsLst>
+              <a:gs pos="0">
+                <a:srgbClr val="EEEFD7">
+                  <a:alpha val="39999"/>
+                </a:srgbClr>
+              </a:gs>
+              <a:gs pos="100000">
+                <a:srgbClr val="EEEFD7"/>
+              </a:gs>
+            </a:gsLst>
+            <a:lin ang="5400000" scaled="1"/>
+          </a:gradFill>
+          <a:ln>
+            <a:noFill/>
+          </a:ln>
+          <a:effectLst/>
+          <a:extLst>
+            <a:ext uri="{91240B29-F687-4F45-9708-019B960494DF}">
+              <a14:hiddenLine xmlns:a14="http://schemas.microsoft.com/office/drawing/2010/main" w="6350" algn="ctr">
+                <a:solidFill>
+                  <a:schemeClr val="tx1"/>
+                </a:solidFill>
+                <a:round/>
+                <a:headEnd/>
+                <a:tailEnd/>
+              </a14:hiddenLine>
+            </a:ext>
+            <a:ext uri="{AF507438-7753-43E0-B8FC-AC1667EBCBE1}">
+              <a14:hiddenEffects xmlns:a14="http://schemas.microsoft.com/office/drawing/2010/main">
+                <a:effectLst>
+                  <a:outerShdw dist="35921" dir="2700000" algn="ctr" rotWithShape="0">
+                    <a:srgbClr val="808080"/>
+                  </a:outerShdw>
+                </a:effectLst>
+              </a14:hiddenEffects>
+            </a:ext>
+          </a:extLst>
+        </p:spPr>
+        <p:txBody>
+          <a:bodyPr/>
+          <a:lstStyle/>
+          <a:p>
+            <a:endParaRPr lang="zh-CN" altLang="en-US"/>
+          </a:p>
+        </p:txBody>
+      </p:sp>
+      <p:sp>
+        <p:nvSpPr>
+          <p:cNvPr id="289804" name="Text Box 12"/>
+          <p:cNvSpPr txBox="1">
+            <a:spLocks noChangeArrowheads="1"/>
+          </p:cNvSpPr>
+          <p:nvPr/>
+        </p:nvSpPr>
+        <p:spPr bwMode="auto">
+          <a:xfrm>
+            <a:off x="1649413" y="2133600"/>
+            <a:ext cx="2033587" cy="396875"/>
+          </a:xfrm>
+          <a:prstGeom prst="rect">
+            <a:avLst/>
+          </a:prstGeom>
+          <a:noFill/>
+          <a:ln>
+            <a:noFill/>
+          </a:ln>
+          <a:effectLst/>
+          <a:extLst>
+            <a:ext uri="{909E8E84-426E-40DD-AFC4-6F175D3DCCD1}">
+              <a14:hiddenFill xmlns:a14="http://schemas.microsoft.com/office/drawing/2010/main">
+                <a:solidFill>
+                  <a:schemeClr val="bg1"/>
+                </a:solidFill>
+              </a14:hiddenFill>
+            </a:ext>
+            <a:ext uri="{91240B29-F687-4F45-9708-019B960494DF}">
+              <a14:hiddenLine xmlns:a14="http://schemas.microsoft.com/office/drawing/2010/main" w="9525" algn="ctr">
+                <a:solidFill>
+                  <a:srgbClr val="333333"/>
+                </a:solidFill>
+                <a:miter lim="800000"/>
+                <a:headEnd/>
+                <a:tailEnd/>
+              </a14:hiddenLine>
+            </a:ext>
+            <a:ext uri="{AF507438-7753-43E0-B8FC-AC1667EBCBE1}">
+              <a14:hiddenEffects xmlns:a14="http://schemas.microsoft.com/office/drawing/2010/main">
+                <a:effectLst>
+                  <a:outerShdw dist="35921" dir="2700000" algn="ctr" rotWithShape="0">
+                    <a:srgbClr val="AFAFAF"/>
+                  </a:outerShdw>
+                </a:effectLst>
+              </a14:hiddenEffects>
+            </a:ext>
+          </a:extLst>
+        </p:spPr>
+        <p:txBody>
+          <a:bodyPr wrap="none">
+            <a:spAutoFit/>
+          </a:bodyPr>
+          <a:lstStyle/>
+          <a:p>
+            <a:r>
+              <a:rPr lang="en-US" altLang="zh-CN" sz="2000">
+                <a:ea typeface="宋体" charset="-122"/>
+              </a:rPr>
+              <a:t>Envisioning Phase</a:t>
+            </a:r>
+          </a:p>
+        </p:txBody>
+      </p:sp>
+      <p:sp>
+        <p:nvSpPr>
+          <p:cNvPr id="289805" name="Text Box 13"/>
+          <p:cNvSpPr txBox="1">
+            <a:spLocks noChangeArrowheads="1"/>
+          </p:cNvSpPr>
+          <p:nvPr/>
+        </p:nvSpPr>
+        <p:spPr bwMode="auto">
+          <a:xfrm>
+            <a:off x="5267325" y="2133600"/>
+            <a:ext cx="1733550" cy="396875"/>
+          </a:xfrm>
+          <a:prstGeom prst="rect">
+            <a:avLst/>
+          </a:prstGeom>
+          <a:noFill/>
+          <a:ln>
+            <a:noFill/>
+          </a:ln>
+          <a:effectLst/>
+          <a:extLst>
+            <a:ext uri="{909E8E84-426E-40DD-AFC4-6F175D3DCCD1}">
+              <a14:hiddenFill xmlns:a14="http://schemas.microsoft.com/office/drawing/2010/main">
+                <a:solidFill>
+                  <a:schemeClr val="bg1"/>
+                </a:solidFill>
+              </a14:hiddenFill>
+            </a:ext>
+            <a:ext uri="{91240B29-F687-4F45-9708-019B960494DF}">
+              <a14:hiddenLine xmlns:a14="http://schemas.microsoft.com/office/drawing/2010/main" w="9525" algn="ctr">
+                <a:solidFill>
+                  <a:srgbClr val="333333"/>
+                </a:solidFill>
+                <a:miter lim="800000"/>
+                <a:headEnd/>
+                <a:tailEnd/>
+              </a14:hiddenLine>
+            </a:ext>
+            <a:ext uri="{AF507438-7753-43E0-B8FC-AC1667EBCBE1}">
+              <a14:hiddenEffects xmlns:a14="http://schemas.microsoft.com/office/drawing/2010/main">
+                <a:effectLst>
+                  <a:outerShdw dist="35921" dir="2700000" algn="ctr" rotWithShape="0">
+                    <a:srgbClr val="AFAFAF"/>
+                  </a:outerShdw>
+                </a:effectLst>
+              </a14:hiddenEffects>
+            </a:ext>
+          </a:extLst>
+        </p:spPr>
+        <p:txBody>
+          <a:bodyPr wrap="none">
+            <a:spAutoFit/>
+          </a:bodyPr>
+          <a:lstStyle/>
+          <a:p>
+            <a:r>
+              <a:rPr lang="en-US" altLang="zh-CN" sz="2000">
+                <a:ea typeface="宋体" charset="-122"/>
+              </a:rPr>
+              <a:t>Planning Phase</a:t>
+            </a:r>
+          </a:p>
+        </p:txBody>
+      </p:sp>
+      <p:sp>
+        <p:nvSpPr>
+          <p:cNvPr id="289806" name="AutoShape 14"/>
+          <p:cNvSpPr>
+            <a:spLocks noChangeArrowheads="1"/>
+          </p:cNvSpPr>
+          <p:nvPr/>
+        </p:nvSpPr>
+        <p:spPr bwMode="auto">
+          <a:xfrm>
+            <a:off x="1219200" y="2667000"/>
+            <a:ext cx="2895600" cy="457200"/>
+          </a:xfrm>
+          <a:prstGeom prst="roundRect">
+            <a:avLst>
+              <a:gd name="adj" fmla="val 4167"/>
+            </a:avLst>
+          </a:prstGeom>
+          <a:gradFill rotWithShape="1">
+            <a:gsLst>
+              <a:gs pos="0">
+                <a:srgbClr val="8DACD0"/>
+              </a:gs>
+              <a:gs pos="100000">
+                <a:srgbClr val="DEE7F1"/>
+              </a:gs>
+            </a:gsLst>
+            <a:lin ang="2700000" scaled="1"/>
+          </a:gradFill>
+          <a:ln w="9525">
+            <a:solidFill>
+              <a:srgbClr val="4D4D4D"/>
+            </a:solidFill>
+            <a:round/>
+            <a:headEnd/>
+            <a:tailEnd/>
+          </a:ln>
+          <a:effectLst>
+            <a:outerShdw dist="35921" dir="2700000" algn="ctr" rotWithShape="0">
+              <a:srgbClr val="AFAFAF"/>
+            </a:outerShdw>
+          </a:effectLst>
+        </p:spPr>
+        <p:txBody>
+          <a:bodyPr anchor="ctr"/>
+          <a:lstStyle/>
+          <a:p>
+            <a:r>
+              <a:rPr lang="en-US" altLang="zh-CN" sz="2000">
+                <a:ea typeface="宋体" charset="-122"/>
+              </a:rPr>
+              <a:t>High-level Requirements</a:t>
+            </a:r>
+          </a:p>
+        </p:txBody>
+      </p:sp>
+      <p:sp>
+        <p:nvSpPr>
+          <p:cNvPr id="289807" name="AutoShape 15"/>
+          <p:cNvSpPr>
+            <a:spLocks noChangeArrowheads="1"/>
+          </p:cNvSpPr>
+          <p:nvPr/>
+        </p:nvSpPr>
+        <p:spPr bwMode="auto">
+          <a:xfrm>
+            <a:off x="1219200" y="3505200"/>
+            <a:ext cx="2895600" cy="457200"/>
+          </a:xfrm>
+          <a:prstGeom prst="roundRect">
+            <a:avLst>
+              <a:gd name="adj" fmla="val 4167"/>
+            </a:avLst>
+          </a:prstGeom>
+          <a:gradFill rotWithShape="1">
+            <a:gsLst>
+              <a:gs pos="0">
+                <a:srgbClr val="8DACD0"/>
+              </a:gs>
+              <a:gs pos="100000">
+                <a:srgbClr val="DEE7F1"/>
+              </a:gs>
+            </a:gsLst>
+            <a:lin ang="2700000" scaled="1"/>
+          </a:gradFill>
+          <a:ln w="9525">
+            <a:solidFill>
+              <a:srgbClr val="4D4D4D"/>
+            </a:solidFill>
+            <a:round/>
+            <a:headEnd/>
+            <a:tailEnd/>
+          </a:ln>
+          <a:effectLst>
+            <a:outerShdw dist="35921" dir="2700000" algn="ctr" rotWithShape="0">
+              <a:srgbClr val="AFAFAF"/>
+            </a:outerShdw>
+          </a:effectLst>
+        </p:spPr>
+        <p:txBody>
+          <a:bodyPr anchor="ctr"/>
+          <a:lstStyle/>
+          <a:p>
+            <a:r>
+              <a:rPr lang="en-US" altLang="zh-CN" sz="2000">
+                <a:ea typeface="宋体" charset="-122"/>
+              </a:rPr>
+              <a:t>High-level Scenarios</a:t>
+            </a:r>
+          </a:p>
+        </p:txBody>
+      </p:sp>
+      <p:sp>
+        <p:nvSpPr>
+          <p:cNvPr id="289808" name="AutoShape 16"/>
+          <p:cNvSpPr>
+            <a:spLocks noChangeArrowheads="1"/>
+          </p:cNvSpPr>
+          <p:nvPr/>
+        </p:nvSpPr>
+        <p:spPr bwMode="auto">
+          <a:xfrm>
+            <a:off x="1219200" y="4343400"/>
+            <a:ext cx="2895600" cy="457200"/>
+          </a:xfrm>
+          <a:prstGeom prst="roundRect">
+            <a:avLst>
+              <a:gd name="adj" fmla="val 4167"/>
+            </a:avLst>
+          </a:prstGeom>
+          <a:gradFill rotWithShape="1">
+            <a:gsLst>
+              <a:gs pos="0">
+                <a:srgbClr val="8DACD0"/>
+              </a:gs>
+              <a:gs pos="100000">
+                <a:srgbClr val="DEE7F1"/>
+              </a:gs>
+            </a:gsLst>
+            <a:lin ang="2700000" scaled="1"/>
+          </a:gradFill>
+          <a:ln w="9525">
+            <a:solidFill>
+              <a:srgbClr val="4D4D4D"/>
+            </a:solidFill>
+            <a:round/>
+            <a:headEnd/>
+            <a:tailEnd/>
+          </a:ln>
+          <a:effectLst>
+            <a:outerShdw dist="35921" dir="2700000" algn="ctr" rotWithShape="0">
+              <a:srgbClr val="AFAFAF"/>
+            </a:outerShdw>
+          </a:effectLst>
+        </p:spPr>
+        <p:txBody>
+          <a:bodyPr anchor="ctr"/>
+          <a:lstStyle/>
+          <a:p>
+            <a:r>
+              <a:rPr lang="en-US" altLang="zh-CN" sz="2000" dirty="0">
+                <a:ea typeface="宋体" charset="-122"/>
+              </a:rPr>
+              <a:t>Solution Concept</a:t>
+            </a:r>
+          </a:p>
+        </p:txBody>
+      </p:sp>
+      <p:sp>
+        <p:nvSpPr>
+          <p:cNvPr id="289809" name="AutoShape 17"/>
+          <p:cNvSpPr>
+            <a:spLocks noChangeArrowheads="1"/>
+          </p:cNvSpPr>
+          <p:nvPr/>
+        </p:nvSpPr>
+        <p:spPr bwMode="auto">
+          <a:xfrm>
+            <a:off x="4686300" y="2667000"/>
+            <a:ext cx="2895600" cy="457200"/>
+          </a:xfrm>
+          <a:prstGeom prst="roundRect">
+            <a:avLst>
+              <a:gd name="adj" fmla="val 4167"/>
+            </a:avLst>
+          </a:prstGeom>
+          <a:gradFill rotWithShape="1">
+            <a:gsLst>
+              <a:gs pos="0">
+                <a:srgbClr val="8DACD0"/>
+              </a:gs>
+              <a:gs pos="100000">
+                <a:srgbClr val="DEE7F1"/>
+              </a:gs>
+            </a:gsLst>
+            <a:lin ang="2700000" scaled="1"/>
+          </a:gradFill>
+          <a:ln w="9525">
+            <a:solidFill>
+              <a:srgbClr val="4D4D4D"/>
+            </a:solidFill>
+            <a:round/>
+            <a:headEnd/>
+            <a:tailEnd/>
+          </a:ln>
+          <a:effectLst>
+            <a:outerShdw dist="35921" dir="2700000" algn="ctr" rotWithShape="0">
+              <a:srgbClr val="AFAFAF"/>
+            </a:outerShdw>
+          </a:effectLst>
+        </p:spPr>
+        <p:txBody>
+          <a:bodyPr anchor="ctr"/>
+          <a:lstStyle/>
+          <a:p>
+            <a:r>
+              <a:rPr lang="en-US" altLang="zh-CN" sz="2000">
+                <a:ea typeface="宋体" charset="-122"/>
+              </a:rPr>
+              <a:t>Detailed Requirements</a:t>
+            </a:r>
+          </a:p>
+        </p:txBody>
+      </p:sp>
+      <p:sp>
+        <p:nvSpPr>
+          <p:cNvPr id="289810" name="AutoShape 18"/>
+          <p:cNvSpPr>
+            <a:spLocks noChangeArrowheads="1"/>
+          </p:cNvSpPr>
+          <p:nvPr/>
+        </p:nvSpPr>
+        <p:spPr bwMode="auto">
+          <a:xfrm>
+            <a:off x="4686300" y="3505200"/>
+            <a:ext cx="2895600" cy="457200"/>
+          </a:xfrm>
+          <a:prstGeom prst="roundRect">
+            <a:avLst>
+              <a:gd name="adj" fmla="val 4167"/>
+            </a:avLst>
+          </a:prstGeom>
+          <a:gradFill rotWithShape="1">
+            <a:gsLst>
+              <a:gs pos="0">
+                <a:srgbClr val="8DACD0"/>
+              </a:gs>
+              <a:gs pos="100000">
+                <a:srgbClr val="DEE7F1"/>
+              </a:gs>
+            </a:gsLst>
+            <a:lin ang="2700000" scaled="1"/>
+          </a:gradFill>
+          <a:ln w="9525">
+            <a:solidFill>
+              <a:srgbClr val="4D4D4D"/>
+            </a:solidFill>
+            <a:round/>
+            <a:headEnd/>
+            <a:tailEnd/>
+          </a:ln>
+          <a:effectLst>
+            <a:outerShdw dist="35921" dir="2700000" algn="ctr" rotWithShape="0">
+              <a:srgbClr val="AFAFAF"/>
+            </a:outerShdw>
+          </a:effectLst>
+        </p:spPr>
+        <p:txBody>
+          <a:bodyPr anchor="ctr"/>
+          <a:lstStyle/>
+          <a:p>
+            <a:r>
+              <a:rPr lang="en-US" altLang="zh-CN" sz="2000">
+                <a:ea typeface="宋体" charset="-122"/>
+              </a:rPr>
+              <a:t>Detailed Usage Scenarios</a:t>
+            </a:r>
+          </a:p>
+        </p:txBody>
+      </p:sp>
+      <p:sp>
+        <p:nvSpPr>
+          <p:cNvPr id="289811" name="AutoShape 19"/>
+          <p:cNvSpPr>
+            <a:spLocks noChangeArrowheads="1"/>
+          </p:cNvSpPr>
+          <p:nvPr/>
+        </p:nvSpPr>
+        <p:spPr bwMode="auto">
+          <a:xfrm>
+            <a:off x="4686300" y="4343400"/>
+            <a:ext cx="2895600" cy="457200"/>
+          </a:xfrm>
+          <a:prstGeom prst="roundRect">
+            <a:avLst>
+              <a:gd name="adj" fmla="val 4167"/>
+            </a:avLst>
+          </a:prstGeom>
+          <a:gradFill rotWithShape="1">
+            <a:gsLst>
+              <a:gs pos="0">
+                <a:srgbClr val="8DACD0"/>
+              </a:gs>
+              <a:gs pos="100000">
+                <a:srgbClr val="DEE7F1"/>
+              </a:gs>
+            </a:gsLst>
+            <a:lin ang="2700000" scaled="1"/>
+          </a:gradFill>
+          <a:ln w="9525">
+            <a:solidFill>
+              <a:srgbClr val="4D4D4D"/>
+            </a:solidFill>
+            <a:round/>
+            <a:headEnd/>
+            <a:tailEnd/>
+          </a:ln>
+          <a:effectLst>
+            <a:outerShdw dist="35921" dir="2700000" algn="ctr" rotWithShape="0">
+              <a:srgbClr val="AFAFAF"/>
+            </a:outerShdw>
+          </a:effectLst>
+        </p:spPr>
+        <p:txBody>
+          <a:bodyPr anchor="ctr"/>
+          <a:lstStyle/>
+          <a:p>
+            <a:r>
+              <a:rPr lang="en-US" altLang="zh-CN" sz="2000">
+                <a:ea typeface="宋体" charset="-122"/>
+              </a:rPr>
+              <a:t>Functional Specification</a:t>
+            </a:r>
+          </a:p>
+        </p:txBody>
+      </p:sp>
+      <p:sp>
+        <p:nvSpPr>
+          <p:cNvPr id="289813" name="Text Box 21"/>
+          <p:cNvSpPr txBox="1">
+            <a:spLocks noChangeArrowheads="1"/>
+          </p:cNvSpPr>
+          <p:nvPr/>
+        </p:nvSpPr>
+        <p:spPr bwMode="auto">
+          <a:xfrm>
+            <a:off x="5257800" y="5011738"/>
+            <a:ext cx="2362200" cy="1465262"/>
+          </a:xfrm>
+          <a:prstGeom prst="rect">
+            <a:avLst/>
+          </a:prstGeom>
+          <a:noFill/>
+          <a:ln>
+            <a:noFill/>
+          </a:ln>
+          <a:effectLst/>
+          <a:extLst>
+            <a:ext uri="{909E8E84-426E-40DD-AFC4-6F175D3DCCD1}">
+              <a14:hiddenFill xmlns:a14="http://schemas.microsoft.com/office/drawing/2010/main">
+                <a:solidFill>
+                  <a:schemeClr val="accent1"/>
+                </a:solidFill>
+              </a14:hiddenFill>
+            </a:ext>
+            <a:ext uri="{91240B29-F687-4F45-9708-019B960494DF}">
+              <a14:hiddenLine xmlns:a14="http://schemas.microsoft.com/office/drawing/2010/main" w="9525" algn="ctr">
+                <a:solidFill>
+                  <a:schemeClr val="tx1"/>
+                </a:solidFill>
+                <a:miter lim="800000"/>
+                <a:headEnd/>
+                <a:tailEnd/>
+              </a14:hiddenLine>
+            </a:ext>
+            <a:ext uri="{AF507438-7753-43E0-B8FC-AC1667EBCBE1}">
+              <a14:hiddenEffects xmlns:a14="http://schemas.microsoft.com/office/drawing/2010/main">
+                <a:effectLst>
+                  <a:outerShdw dist="35921" dir="2700000" algn="ctr" rotWithShape="0">
+                    <a:schemeClr val="bg2"/>
+                  </a:outerShdw>
+                </a:effectLst>
+              </a14:hiddenEffects>
+            </a:ext>
+          </a:extLst>
+        </p:spPr>
+        <p:txBody>
+          <a:bodyPr lIns="0" tIns="0" rIns="0" bIns="0"/>
+          <a:lstStyle>
+            <a:lvl1pPr marL="225425" indent="-225425" algn="l">
+              <a:defRPr>
+                <a:solidFill>
+                  <a:schemeClr val="tx1"/>
+                </a:solidFill>
+                <a:latin typeface="Arial" charset="0"/>
+              </a:defRPr>
+            </a:lvl1pPr>
+            <a:lvl2pPr marL="631825" indent="-174625" algn="l">
+              <a:defRPr>
+                <a:solidFill>
+                  <a:schemeClr val="tx1"/>
+                </a:solidFill>
+                <a:latin typeface="Arial" charset="0"/>
+              </a:defRPr>
+            </a:lvl2pPr>
+            <a:lvl3pPr marL="860425" indent="-6350" algn="l">
+              <a:defRPr>
+                <a:solidFill>
+                  <a:schemeClr val="tx1"/>
+                </a:solidFill>
+                <a:latin typeface="Arial" charset="0"/>
+              </a:defRPr>
+            </a:lvl3pPr>
+            <a:lvl4pPr marL="1089025" algn="l">
+              <a:defRPr>
+                <a:solidFill>
+                  <a:schemeClr val="tx1"/>
+                </a:solidFill>
+                <a:latin typeface="Arial" charset="0"/>
+              </a:defRPr>
+            </a:lvl4pPr>
+            <a:lvl5pPr marL="1312863" indent="-1588" algn="l">
+              <a:defRPr>
+                <a:solidFill>
+                  <a:schemeClr val="tx1"/>
+                </a:solidFill>
+                <a:latin typeface="Arial" charset="0"/>
+              </a:defRPr>
+            </a:lvl5pPr>
+            <a:lvl6pPr marL="1770063" indent="-1588" fontAlgn="base">
+              <a:spcBef>
+                <a:spcPct val="0"/>
+              </a:spcBef>
+              <a:spcAft>
+                <a:spcPct val="0"/>
+              </a:spcAft>
+              <a:defRPr>
+                <a:solidFill>
+                  <a:schemeClr val="tx1"/>
+                </a:solidFill>
+                <a:latin typeface="Arial" charset="0"/>
+              </a:defRPr>
+            </a:lvl6pPr>
+            <a:lvl7pPr marL="2227263" indent="-1588" fontAlgn="base">
+              <a:spcBef>
+                <a:spcPct val="0"/>
+              </a:spcBef>
+              <a:spcAft>
+                <a:spcPct val="0"/>
+              </a:spcAft>
+              <a:defRPr>
+                <a:solidFill>
+                  <a:schemeClr val="tx1"/>
+                </a:solidFill>
+                <a:latin typeface="Arial" charset="0"/>
+              </a:defRPr>
+            </a:lvl7pPr>
+            <a:lvl8pPr marL="2684463" indent="-1588" fontAlgn="base">
+              <a:spcBef>
+                <a:spcPct val="0"/>
+              </a:spcBef>
+              <a:spcAft>
+                <a:spcPct val="0"/>
+              </a:spcAft>
+              <a:defRPr>
+                <a:solidFill>
+                  <a:schemeClr val="tx1"/>
+                </a:solidFill>
+                <a:latin typeface="Arial" charset="0"/>
+              </a:defRPr>
+            </a:lvl8pPr>
+            <a:lvl9pPr marL="3141663" indent="-1588" fontAlgn="base">
+              <a:spcBef>
+                <a:spcPct val="0"/>
+              </a:spcBef>
+              <a:spcAft>
+                <a:spcPct val="0"/>
+              </a:spcAft>
+              <a:defRPr>
+                <a:solidFill>
+                  <a:schemeClr val="tx1"/>
+                </a:solidFill>
+                <a:latin typeface="Arial" charset="0"/>
+              </a:defRPr>
+            </a:lvl9pPr>
+          </a:lstStyle>
+          <a:p>
+            <a:pPr>
+              <a:lnSpc>
+                <a:spcPct val="80000"/>
+              </a:lnSpc>
+              <a:spcBef>
+                <a:spcPct val="40000"/>
+              </a:spcBef>
+              <a:buClr>
+                <a:srgbClr val="8DACD0"/>
+              </a:buClr>
+              <a:buSzPct val="70000"/>
+              <a:buFont typeface="Wingdings" pitchFamily="2" charset="2"/>
+              <a:buNone/>
+            </a:pPr>
+            <a:r>
+              <a:rPr lang="en-US" altLang="zh-CN">
+                <a:latin typeface="Arial Narrow" pitchFamily="34" charset="0"/>
+                <a:ea typeface="宋体" charset="-122"/>
+              </a:rPr>
+              <a:t>Design Documents</a:t>
+            </a:r>
+          </a:p>
+          <a:p>
+            <a:pPr>
+              <a:lnSpc>
+                <a:spcPct val="80000"/>
+              </a:lnSpc>
+              <a:spcBef>
+                <a:spcPct val="40000"/>
+              </a:spcBef>
+              <a:buClr>
+                <a:srgbClr val="8DACD0"/>
+              </a:buClr>
+              <a:buSzPct val="70000"/>
+              <a:buFont typeface="Wingdings" pitchFamily="2" charset="2"/>
+              <a:buChar char="l"/>
+            </a:pPr>
+            <a:r>
+              <a:rPr lang="en-US" altLang="zh-CN">
+                <a:latin typeface="Arial Narrow" pitchFamily="34" charset="0"/>
+                <a:ea typeface="宋体" charset="-122"/>
+              </a:rPr>
+              <a:t>Conceptual</a:t>
+            </a:r>
+          </a:p>
+          <a:p>
+            <a:pPr>
+              <a:lnSpc>
+                <a:spcPct val="80000"/>
+              </a:lnSpc>
+              <a:spcBef>
+                <a:spcPct val="40000"/>
+              </a:spcBef>
+              <a:buClr>
+                <a:srgbClr val="8DACD0"/>
+              </a:buClr>
+              <a:buSzPct val="70000"/>
+              <a:buFont typeface="Wingdings" pitchFamily="2" charset="2"/>
+              <a:buChar char="l"/>
+            </a:pPr>
+            <a:r>
+              <a:rPr lang="en-US" altLang="zh-CN">
+                <a:latin typeface="Arial Narrow" pitchFamily="34" charset="0"/>
+                <a:ea typeface="宋体" charset="-122"/>
+              </a:rPr>
+              <a:t>Logical</a:t>
+            </a:r>
+          </a:p>
+          <a:p>
+            <a:pPr>
+              <a:lnSpc>
+                <a:spcPct val="80000"/>
+              </a:lnSpc>
+              <a:spcBef>
+                <a:spcPct val="40000"/>
+              </a:spcBef>
+              <a:buClr>
+                <a:srgbClr val="8DACD0"/>
+              </a:buClr>
+              <a:buSzPct val="70000"/>
+              <a:buFont typeface="Wingdings" pitchFamily="2" charset="2"/>
+              <a:buChar char="l"/>
+            </a:pPr>
+            <a:r>
+              <a:rPr lang="en-US" altLang="zh-CN">
+                <a:latin typeface="Arial Narrow" pitchFamily="34" charset="0"/>
+                <a:ea typeface="宋体" charset="-122"/>
+              </a:rPr>
+              <a:t>Physical</a:t>
+            </a:r>
+          </a:p>
+        </p:txBody>
+      </p:sp>
+      <p:sp>
+        <p:nvSpPr>
+          <p:cNvPr id="289819" name="Freeform 27"/>
+          <p:cNvSpPr>
+            <a:spLocks/>
+          </p:cNvSpPr>
+          <p:nvPr/>
+        </p:nvSpPr>
+        <p:spPr bwMode="auto">
+          <a:xfrm>
+            <a:off x="3886200" y="2667000"/>
+            <a:ext cx="882650" cy="457200"/>
+          </a:xfrm>
+          <a:custGeom>
+            <a:avLst/>
+            <a:gdLst>
+              <a:gd name="T0" fmla="*/ 221 w 358"/>
+              <a:gd name="T1" fmla="*/ 83 h 288"/>
+              <a:gd name="T2" fmla="*/ 219 w 358"/>
+              <a:gd name="T3" fmla="*/ 43 h 288"/>
+              <a:gd name="T4" fmla="*/ 217 w 358"/>
+              <a:gd name="T5" fmla="*/ 0 h 288"/>
+              <a:gd name="T6" fmla="*/ 288 w 358"/>
+              <a:gd name="T7" fmla="*/ 75 h 288"/>
+              <a:gd name="T8" fmla="*/ 336 w 358"/>
+              <a:gd name="T9" fmla="*/ 127 h 288"/>
+              <a:gd name="T10" fmla="*/ 358 w 358"/>
+              <a:gd name="T11" fmla="*/ 151 h 288"/>
+              <a:gd name="T12" fmla="*/ 352 w 358"/>
+              <a:gd name="T13" fmla="*/ 156 h 288"/>
+              <a:gd name="T14" fmla="*/ 336 w 358"/>
+              <a:gd name="T15" fmla="*/ 173 h 288"/>
+              <a:gd name="T16" fmla="*/ 287 w 358"/>
+              <a:gd name="T17" fmla="*/ 219 h 288"/>
+              <a:gd name="T18" fmla="*/ 216 w 358"/>
+              <a:gd name="T19" fmla="*/ 288 h 288"/>
+              <a:gd name="T20" fmla="*/ 222 w 358"/>
+              <a:gd name="T21" fmla="*/ 208 h 288"/>
+              <a:gd name="T22" fmla="*/ 0 w 358"/>
+              <a:gd name="T23" fmla="*/ 144 h 288"/>
+              <a:gd name="T24" fmla="*/ 221 w 358"/>
+              <a:gd name="T25" fmla="*/ 83 h 288"/>
+            </a:gdLst>
+            <a:ahLst/>
+            <a:cxnLst>
+              <a:cxn ang="0">
+                <a:pos x="T0" y="T1"/>
+              </a:cxn>
+              <a:cxn ang="0">
+                <a:pos x="T2" y="T3"/>
+              </a:cxn>
+              <a:cxn ang="0">
+                <a:pos x="T4" y="T5"/>
+              </a:cxn>
+              <a:cxn ang="0">
+                <a:pos x="T6" y="T7"/>
+              </a:cxn>
+              <a:cxn ang="0">
+                <a:pos x="T8" y="T9"/>
+              </a:cxn>
+              <a:cxn ang="0">
+                <a:pos x="T10" y="T11"/>
+              </a:cxn>
+              <a:cxn ang="0">
+                <a:pos x="T12" y="T13"/>
+              </a:cxn>
+              <a:cxn ang="0">
+                <a:pos x="T14" y="T15"/>
+              </a:cxn>
+              <a:cxn ang="0">
+                <a:pos x="T16" y="T17"/>
+              </a:cxn>
+              <a:cxn ang="0">
+                <a:pos x="T18" y="T19"/>
+              </a:cxn>
+              <a:cxn ang="0">
+                <a:pos x="T20" y="T21"/>
+              </a:cxn>
+              <a:cxn ang="0">
+                <a:pos x="T22" y="T23"/>
+              </a:cxn>
+              <a:cxn ang="0">
+                <a:pos x="T24" y="T25"/>
+              </a:cxn>
+            </a:cxnLst>
+            <a:rect l="0" t="0" r="r" b="b"/>
+            <a:pathLst>
+              <a:path w="358" h="288">
+                <a:moveTo>
+                  <a:pt x="221" y="83"/>
+                </a:moveTo>
+                <a:lnTo>
+                  <a:pt x="219" y="43"/>
+                </a:lnTo>
+                <a:lnTo>
+                  <a:pt x="217" y="0"/>
+                </a:lnTo>
+                <a:lnTo>
+                  <a:pt x="288" y="75"/>
+                </a:lnTo>
+                <a:lnTo>
+                  <a:pt x="336" y="127"/>
+                </a:lnTo>
+                <a:lnTo>
+                  <a:pt x="358" y="151"/>
+                </a:lnTo>
+                <a:lnTo>
+                  <a:pt x="352" y="156"/>
+                </a:lnTo>
+                <a:lnTo>
+                  <a:pt x="336" y="173"/>
+                </a:lnTo>
+                <a:lnTo>
+                  <a:pt x="287" y="219"/>
+                </a:lnTo>
+                <a:lnTo>
+                  <a:pt x="216" y="288"/>
+                </a:lnTo>
+                <a:lnTo>
+                  <a:pt x="222" y="208"/>
+                </a:lnTo>
+                <a:lnTo>
+                  <a:pt x="0" y="144"/>
+                </a:lnTo>
+                <a:lnTo>
+                  <a:pt x="221" y="83"/>
+                </a:lnTo>
+                <a:close/>
+              </a:path>
+            </a:pathLst>
+          </a:custGeom>
+          <a:solidFill>
+            <a:srgbClr val="FF0000">
+              <a:alpha val="75000"/>
+            </a:srgbClr>
+          </a:solidFill>
+          <a:ln>
+            <a:noFill/>
+          </a:ln>
+          <a:extLst>
+            <a:ext uri="{91240B29-F687-4F45-9708-019B960494DF}">
+              <a14:hiddenLine xmlns:a14="http://schemas.microsoft.com/office/drawing/2010/main" w="9525">
+                <a:solidFill>
+                  <a:srgbClr val="000000"/>
+                </a:solidFill>
+                <a:round/>
+                <a:headEnd/>
+                <a:tailEnd/>
+              </a14:hiddenLine>
+            </a:ext>
+          </a:extLst>
+        </p:spPr>
+        <p:txBody>
+          <a:bodyPr/>
+          <a:lstStyle/>
+          <a:p>
+            <a:endParaRPr lang="zh-CN" altLang="en-US"/>
+          </a:p>
+        </p:txBody>
+      </p:sp>
+      <p:sp>
+        <p:nvSpPr>
+          <p:cNvPr id="289820" name="Freeform 28"/>
+          <p:cNvSpPr>
+            <a:spLocks/>
+          </p:cNvSpPr>
+          <p:nvPr/>
+        </p:nvSpPr>
+        <p:spPr bwMode="auto">
+          <a:xfrm>
+            <a:off x="3917950" y="3505200"/>
+            <a:ext cx="882650" cy="457200"/>
+          </a:xfrm>
+          <a:custGeom>
+            <a:avLst/>
+            <a:gdLst>
+              <a:gd name="T0" fmla="*/ 221 w 358"/>
+              <a:gd name="T1" fmla="*/ 83 h 288"/>
+              <a:gd name="T2" fmla="*/ 219 w 358"/>
+              <a:gd name="T3" fmla="*/ 43 h 288"/>
+              <a:gd name="T4" fmla="*/ 217 w 358"/>
+              <a:gd name="T5" fmla="*/ 0 h 288"/>
+              <a:gd name="T6" fmla="*/ 288 w 358"/>
+              <a:gd name="T7" fmla="*/ 75 h 288"/>
+              <a:gd name="T8" fmla="*/ 336 w 358"/>
+              <a:gd name="T9" fmla="*/ 127 h 288"/>
+              <a:gd name="T10" fmla="*/ 358 w 358"/>
+              <a:gd name="T11" fmla="*/ 151 h 288"/>
+              <a:gd name="T12" fmla="*/ 352 w 358"/>
+              <a:gd name="T13" fmla="*/ 156 h 288"/>
+              <a:gd name="T14" fmla="*/ 336 w 358"/>
+              <a:gd name="T15" fmla="*/ 173 h 288"/>
+              <a:gd name="T16" fmla="*/ 287 w 358"/>
+              <a:gd name="T17" fmla="*/ 219 h 288"/>
+              <a:gd name="T18" fmla="*/ 216 w 358"/>
+              <a:gd name="T19" fmla="*/ 288 h 288"/>
+              <a:gd name="T20" fmla="*/ 222 w 358"/>
+              <a:gd name="T21" fmla="*/ 208 h 288"/>
+              <a:gd name="T22" fmla="*/ 0 w 358"/>
+              <a:gd name="T23" fmla="*/ 144 h 288"/>
+              <a:gd name="T24" fmla="*/ 221 w 358"/>
+              <a:gd name="T25" fmla="*/ 83 h 288"/>
+            </a:gdLst>
+            <a:ahLst/>
+            <a:cxnLst>
+              <a:cxn ang="0">
+                <a:pos x="T0" y="T1"/>
+              </a:cxn>
+              <a:cxn ang="0">
+                <a:pos x="T2" y="T3"/>
+              </a:cxn>
+              <a:cxn ang="0">
+                <a:pos x="T4" y="T5"/>
+              </a:cxn>
+              <a:cxn ang="0">
+                <a:pos x="T6" y="T7"/>
+              </a:cxn>
+              <a:cxn ang="0">
+                <a:pos x="T8" y="T9"/>
+              </a:cxn>
+              <a:cxn ang="0">
+                <a:pos x="T10" y="T11"/>
+              </a:cxn>
+              <a:cxn ang="0">
+                <a:pos x="T12" y="T13"/>
+              </a:cxn>
+              <a:cxn ang="0">
+                <a:pos x="T14" y="T15"/>
+              </a:cxn>
+              <a:cxn ang="0">
+                <a:pos x="T16" y="T17"/>
+              </a:cxn>
+              <a:cxn ang="0">
+                <a:pos x="T18" y="T19"/>
+              </a:cxn>
+              <a:cxn ang="0">
+                <a:pos x="T20" y="T21"/>
+              </a:cxn>
+              <a:cxn ang="0">
+                <a:pos x="T22" y="T23"/>
+              </a:cxn>
+              <a:cxn ang="0">
+                <a:pos x="T24" y="T25"/>
+              </a:cxn>
+            </a:cxnLst>
+            <a:rect l="0" t="0" r="r" b="b"/>
+            <a:pathLst>
+              <a:path w="358" h="288">
+                <a:moveTo>
+                  <a:pt x="221" y="83"/>
+                </a:moveTo>
+                <a:lnTo>
+                  <a:pt x="219" y="43"/>
+                </a:lnTo>
+                <a:lnTo>
+                  <a:pt x="217" y="0"/>
+                </a:lnTo>
+                <a:lnTo>
+                  <a:pt x="288" y="75"/>
+                </a:lnTo>
+                <a:lnTo>
+                  <a:pt x="336" y="127"/>
+                </a:lnTo>
+                <a:lnTo>
+                  <a:pt x="358" y="151"/>
+                </a:lnTo>
+                <a:lnTo>
+                  <a:pt x="352" y="156"/>
+                </a:lnTo>
+                <a:lnTo>
+                  <a:pt x="336" y="173"/>
+                </a:lnTo>
+                <a:lnTo>
+                  <a:pt x="287" y="219"/>
+                </a:lnTo>
+                <a:lnTo>
+                  <a:pt x="216" y="288"/>
+                </a:lnTo>
+                <a:lnTo>
+                  <a:pt x="222" y="208"/>
+                </a:lnTo>
+                <a:lnTo>
+                  <a:pt x="0" y="144"/>
+                </a:lnTo>
+                <a:lnTo>
+                  <a:pt x="221" y="83"/>
+                </a:lnTo>
+                <a:close/>
+              </a:path>
+            </a:pathLst>
+          </a:custGeom>
+          <a:solidFill>
+            <a:srgbClr val="FF0000">
+              <a:alpha val="75000"/>
+            </a:srgbClr>
+          </a:solidFill>
+          <a:ln>
+            <a:noFill/>
+          </a:ln>
+          <a:extLst>
+            <a:ext uri="{91240B29-F687-4F45-9708-019B960494DF}">
+              <a14:hiddenLine xmlns:a14="http://schemas.microsoft.com/office/drawing/2010/main" w="9525">
+                <a:solidFill>
+                  <a:srgbClr val="000000"/>
+                </a:solidFill>
+                <a:round/>
+                <a:headEnd/>
+                <a:tailEnd/>
+              </a14:hiddenLine>
+            </a:ext>
+          </a:extLst>
+        </p:spPr>
+        <p:txBody>
+          <a:bodyPr/>
+          <a:lstStyle/>
+          <a:p>
+            <a:endParaRPr lang="zh-CN" altLang="en-US"/>
+          </a:p>
+        </p:txBody>
+      </p:sp>
+      <p:sp>
+        <p:nvSpPr>
+          <p:cNvPr id="289821" name="Freeform 29"/>
+          <p:cNvSpPr>
+            <a:spLocks/>
+          </p:cNvSpPr>
+          <p:nvPr/>
+        </p:nvSpPr>
+        <p:spPr bwMode="auto">
+          <a:xfrm>
+            <a:off x="3949700" y="4343400"/>
+            <a:ext cx="882650" cy="457200"/>
+          </a:xfrm>
+          <a:custGeom>
+            <a:avLst/>
+            <a:gdLst>
+              <a:gd name="T0" fmla="*/ 221 w 358"/>
+              <a:gd name="T1" fmla="*/ 83 h 288"/>
+              <a:gd name="T2" fmla="*/ 219 w 358"/>
+              <a:gd name="T3" fmla="*/ 43 h 288"/>
+              <a:gd name="T4" fmla="*/ 217 w 358"/>
+              <a:gd name="T5" fmla="*/ 0 h 288"/>
+              <a:gd name="T6" fmla="*/ 288 w 358"/>
+              <a:gd name="T7" fmla="*/ 75 h 288"/>
+              <a:gd name="T8" fmla="*/ 336 w 358"/>
+              <a:gd name="T9" fmla="*/ 127 h 288"/>
+              <a:gd name="T10" fmla="*/ 358 w 358"/>
+              <a:gd name="T11" fmla="*/ 151 h 288"/>
+              <a:gd name="T12" fmla="*/ 352 w 358"/>
+              <a:gd name="T13" fmla="*/ 156 h 288"/>
+              <a:gd name="T14" fmla="*/ 336 w 358"/>
+              <a:gd name="T15" fmla="*/ 173 h 288"/>
+              <a:gd name="T16" fmla="*/ 287 w 358"/>
+              <a:gd name="T17" fmla="*/ 219 h 288"/>
+              <a:gd name="T18" fmla="*/ 216 w 358"/>
+              <a:gd name="T19" fmla="*/ 288 h 288"/>
+              <a:gd name="T20" fmla="*/ 222 w 358"/>
+              <a:gd name="T21" fmla="*/ 208 h 288"/>
+              <a:gd name="T22" fmla="*/ 0 w 358"/>
+              <a:gd name="T23" fmla="*/ 144 h 288"/>
+              <a:gd name="T24" fmla="*/ 221 w 358"/>
+              <a:gd name="T25" fmla="*/ 83 h 288"/>
+            </a:gdLst>
+            <a:ahLst/>
+            <a:cxnLst>
+              <a:cxn ang="0">
+                <a:pos x="T0" y="T1"/>
+              </a:cxn>
+              <a:cxn ang="0">
+                <a:pos x="T2" y="T3"/>
+              </a:cxn>
+              <a:cxn ang="0">
+                <a:pos x="T4" y="T5"/>
+              </a:cxn>
+              <a:cxn ang="0">
+                <a:pos x="T6" y="T7"/>
+              </a:cxn>
+              <a:cxn ang="0">
+                <a:pos x="T8" y="T9"/>
+              </a:cxn>
+              <a:cxn ang="0">
+                <a:pos x="T10" y="T11"/>
+              </a:cxn>
+              <a:cxn ang="0">
+                <a:pos x="T12" y="T13"/>
+              </a:cxn>
+              <a:cxn ang="0">
+                <a:pos x="T14" y="T15"/>
+              </a:cxn>
+              <a:cxn ang="0">
+                <a:pos x="T16" y="T17"/>
+              </a:cxn>
+              <a:cxn ang="0">
+                <a:pos x="T18" y="T19"/>
+              </a:cxn>
+              <a:cxn ang="0">
+                <a:pos x="T20" y="T21"/>
+              </a:cxn>
+              <a:cxn ang="0">
+                <a:pos x="T22" y="T23"/>
+              </a:cxn>
+              <a:cxn ang="0">
+                <a:pos x="T24" y="T25"/>
+              </a:cxn>
+            </a:cxnLst>
+            <a:rect l="0" t="0" r="r" b="b"/>
+            <a:pathLst>
+              <a:path w="358" h="288">
+                <a:moveTo>
+                  <a:pt x="221" y="83"/>
+                </a:moveTo>
+                <a:lnTo>
+                  <a:pt x="219" y="43"/>
+                </a:lnTo>
+                <a:lnTo>
+                  <a:pt x="217" y="0"/>
+                </a:lnTo>
+                <a:lnTo>
+                  <a:pt x="288" y="75"/>
+                </a:lnTo>
+                <a:lnTo>
+                  <a:pt x="336" y="127"/>
+                </a:lnTo>
+                <a:lnTo>
+                  <a:pt x="358" y="151"/>
+                </a:lnTo>
+                <a:lnTo>
+                  <a:pt x="352" y="156"/>
+                </a:lnTo>
+                <a:lnTo>
+                  <a:pt x="336" y="173"/>
+                </a:lnTo>
+                <a:lnTo>
+                  <a:pt x="287" y="219"/>
+                </a:lnTo>
+                <a:lnTo>
+                  <a:pt x="216" y="288"/>
+                </a:lnTo>
+                <a:lnTo>
+                  <a:pt x="222" y="208"/>
+                </a:lnTo>
+                <a:lnTo>
+                  <a:pt x="0" y="144"/>
+                </a:lnTo>
+                <a:lnTo>
+                  <a:pt x="221" y="83"/>
+                </a:lnTo>
+                <a:close/>
+              </a:path>
+            </a:pathLst>
+          </a:custGeom>
+          <a:solidFill>
+            <a:srgbClr val="FF0000">
+              <a:alpha val="75000"/>
+            </a:srgbClr>
+          </a:solidFill>
+          <a:ln>
+            <a:noFill/>
+          </a:ln>
+          <a:extLst>
+            <a:ext uri="{91240B29-F687-4F45-9708-019B960494DF}">
+              <a14:hiddenLine xmlns:a14="http://schemas.microsoft.com/office/drawing/2010/main" w="9525">
+                <a:solidFill>
+                  <a:srgbClr val="000000"/>
+                </a:solidFill>
+                <a:round/>
+                <a:headEnd/>
+                <a:tailEnd/>
+              </a14:hiddenLine>
+            </a:ext>
+          </a:extLst>
+        </p:spPr>
+        <p:txBody>
+          <a:bodyPr/>
+          <a:lstStyle/>
+          <a:p>
+            <a:endParaRPr lang="zh-CN" altLang="en-US"/>
+          </a:p>
+        </p:txBody>
+      </p:sp>
+      <p:sp>
+        <p:nvSpPr>
+          <p:cNvPr id="289822" name="Freeform 30"/>
+          <p:cNvSpPr>
+            <a:spLocks/>
+          </p:cNvSpPr>
+          <p:nvPr/>
+        </p:nvSpPr>
+        <p:spPr bwMode="auto">
+          <a:xfrm>
+            <a:off x="2362200" y="3048000"/>
+            <a:ext cx="457200" cy="584200"/>
+          </a:xfrm>
+          <a:custGeom>
+            <a:avLst/>
+            <a:gdLst>
+              <a:gd name="T0" fmla="*/ 83 w 288"/>
+              <a:gd name="T1" fmla="*/ 154 h 368"/>
+              <a:gd name="T2" fmla="*/ 43 w 288"/>
+              <a:gd name="T3" fmla="*/ 151 h 368"/>
+              <a:gd name="T4" fmla="*/ 0 w 288"/>
+              <a:gd name="T5" fmla="*/ 149 h 368"/>
+              <a:gd name="T6" fmla="*/ 75 w 288"/>
+              <a:gd name="T7" fmla="*/ 259 h 368"/>
+              <a:gd name="T8" fmla="*/ 127 w 288"/>
+              <a:gd name="T9" fmla="*/ 334 h 368"/>
+              <a:gd name="T10" fmla="*/ 151 w 288"/>
+              <a:gd name="T11" fmla="*/ 368 h 368"/>
+              <a:gd name="T12" fmla="*/ 156 w 288"/>
+              <a:gd name="T13" fmla="*/ 359 h 368"/>
+              <a:gd name="T14" fmla="*/ 173 w 288"/>
+              <a:gd name="T15" fmla="*/ 334 h 368"/>
+              <a:gd name="T16" fmla="*/ 219 w 288"/>
+              <a:gd name="T17" fmla="*/ 258 h 368"/>
+              <a:gd name="T18" fmla="*/ 288 w 288"/>
+              <a:gd name="T19" fmla="*/ 146 h 368"/>
+              <a:gd name="T20" fmla="*/ 208 w 288"/>
+              <a:gd name="T21" fmla="*/ 156 h 368"/>
+              <a:gd name="T22" fmla="*/ 144 w 288"/>
+              <a:gd name="T23" fmla="*/ 0 h 368"/>
+              <a:gd name="T24" fmla="*/ 83 w 288"/>
+              <a:gd name="T25" fmla="*/ 154 h 368"/>
+            </a:gdLst>
+            <a:ahLst/>
+            <a:cxnLst>
+              <a:cxn ang="0">
+                <a:pos x="T0" y="T1"/>
+              </a:cxn>
+              <a:cxn ang="0">
+                <a:pos x="T2" y="T3"/>
+              </a:cxn>
+              <a:cxn ang="0">
+                <a:pos x="T4" y="T5"/>
+              </a:cxn>
+              <a:cxn ang="0">
+                <a:pos x="T6" y="T7"/>
+              </a:cxn>
+              <a:cxn ang="0">
+                <a:pos x="T8" y="T9"/>
+              </a:cxn>
+              <a:cxn ang="0">
+                <a:pos x="T10" y="T11"/>
+              </a:cxn>
+              <a:cxn ang="0">
+                <a:pos x="T12" y="T13"/>
+              </a:cxn>
+              <a:cxn ang="0">
+                <a:pos x="T14" y="T15"/>
+              </a:cxn>
+              <a:cxn ang="0">
+                <a:pos x="T16" y="T17"/>
+              </a:cxn>
+              <a:cxn ang="0">
+                <a:pos x="T18" y="T19"/>
+              </a:cxn>
+              <a:cxn ang="0">
+                <a:pos x="T20" y="T21"/>
+              </a:cxn>
+              <a:cxn ang="0">
+                <a:pos x="T22" y="T23"/>
+              </a:cxn>
+              <a:cxn ang="0">
+                <a:pos x="T24" y="T25"/>
+              </a:cxn>
+            </a:cxnLst>
+            <a:rect l="0" t="0" r="r" b="b"/>
+            <a:pathLst>
+              <a:path w="288" h="368">
+                <a:moveTo>
+                  <a:pt x="83" y="154"/>
+                </a:moveTo>
+                <a:lnTo>
+                  <a:pt x="43" y="151"/>
+                </a:lnTo>
+                <a:lnTo>
+                  <a:pt x="0" y="149"/>
+                </a:lnTo>
+                <a:lnTo>
+                  <a:pt x="75" y="259"/>
+                </a:lnTo>
+                <a:lnTo>
+                  <a:pt x="127" y="334"/>
+                </a:lnTo>
+                <a:lnTo>
+                  <a:pt x="151" y="368"/>
+                </a:lnTo>
+                <a:lnTo>
+                  <a:pt x="156" y="359"/>
+                </a:lnTo>
+                <a:lnTo>
+                  <a:pt x="173" y="334"/>
+                </a:lnTo>
+                <a:lnTo>
+                  <a:pt x="219" y="258"/>
+                </a:lnTo>
+                <a:lnTo>
+                  <a:pt x="288" y="146"/>
+                </a:lnTo>
+                <a:lnTo>
+                  <a:pt x="208" y="156"/>
+                </a:lnTo>
+                <a:lnTo>
+                  <a:pt x="144" y="0"/>
+                </a:lnTo>
+                <a:lnTo>
+                  <a:pt x="83" y="154"/>
+                </a:lnTo>
+                <a:close/>
+              </a:path>
+            </a:pathLst>
+          </a:custGeom>
+          <a:solidFill>
+            <a:srgbClr val="FF0000">
+              <a:alpha val="75000"/>
+            </a:srgbClr>
+          </a:solidFill>
+          <a:ln>
+            <a:noFill/>
+          </a:ln>
+          <a:extLst>
+            <a:ext uri="{91240B29-F687-4F45-9708-019B960494DF}">
+              <a14:hiddenLine xmlns:a14="http://schemas.microsoft.com/office/drawing/2010/main" w="9525">
+                <a:solidFill>
+                  <a:srgbClr val="000000"/>
+                </a:solidFill>
+                <a:round/>
+                <a:headEnd/>
+                <a:tailEnd/>
+              </a14:hiddenLine>
+            </a:ext>
+          </a:extLst>
+        </p:spPr>
+        <p:txBody>
+          <a:bodyPr/>
+          <a:lstStyle/>
+          <a:p>
+            <a:endParaRPr lang="zh-CN" altLang="en-US"/>
+          </a:p>
+        </p:txBody>
+      </p:sp>
+      <p:sp>
+        <p:nvSpPr>
+          <p:cNvPr id="289823" name="Freeform 31"/>
+          <p:cNvSpPr>
+            <a:spLocks/>
+          </p:cNvSpPr>
+          <p:nvPr/>
+        </p:nvSpPr>
+        <p:spPr bwMode="auto">
+          <a:xfrm>
+            <a:off x="2362200" y="3886200"/>
+            <a:ext cx="457200" cy="584200"/>
+          </a:xfrm>
+          <a:custGeom>
+            <a:avLst/>
+            <a:gdLst>
+              <a:gd name="T0" fmla="*/ 83 w 288"/>
+              <a:gd name="T1" fmla="*/ 154 h 368"/>
+              <a:gd name="T2" fmla="*/ 43 w 288"/>
+              <a:gd name="T3" fmla="*/ 151 h 368"/>
+              <a:gd name="T4" fmla="*/ 0 w 288"/>
+              <a:gd name="T5" fmla="*/ 149 h 368"/>
+              <a:gd name="T6" fmla="*/ 75 w 288"/>
+              <a:gd name="T7" fmla="*/ 259 h 368"/>
+              <a:gd name="T8" fmla="*/ 127 w 288"/>
+              <a:gd name="T9" fmla="*/ 334 h 368"/>
+              <a:gd name="T10" fmla="*/ 151 w 288"/>
+              <a:gd name="T11" fmla="*/ 368 h 368"/>
+              <a:gd name="T12" fmla="*/ 156 w 288"/>
+              <a:gd name="T13" fmla="*/ 359 h 368"/>
+              <a:gd name="T14" fmla="*/ 173 w 288"/>
+              <a:gd name="T15" fmla="*/ 334 h 368"/>
+              <a:gd name="T16" fmla="*/ 219 w 288"/>
+              <a:gd name="T17" fmla="*/ 258 h 368"/>
+              <a:gd name="T18" fmla="*/ 288 w 288"/>
+              <a:gd name="T19" fmla="*/ 146 h 368"/>
+              <a:gd name="T20" fmla="*/ 208 w 288"/>
+              <a:gd name="T21" fmla="*/ 156 h 368"/>
+              <a:gd name="T22" fmla="*/ 144 w 288"/>
+              <a:gd name="T23" fmla="*/ 0 h 368"/>
+              <a:gd name="T24" fmla="*/ 83 w 288"/>
+              <a:gd name="T25" fmla="*/ 154 h 368"/>
+            </a:gdLst>
+            <a:ahLst/>
+            <a:cxnLst>
+              <a:cxn ang="0">
+                <a:pos x="T0" y="T1"/>
+              </a:cxn>
+              <a:cxn ang="0">
+                <a:pos x="T2" y="T3"/>
+              </a:cxn>
+              <a:cxn ang="0">
+                <a:pos x="T4" y="T5"/>
+              </a:cxn>
+              <a:cxn ang="0">
+                <a:pos x="T6" y="T7"/>
+              </a:cxn>
+              <a:cxn ang="0">
+                <a:pos x="T8" y="T9"/>
+              </a:cxn>
+              <a:cxn ang="0">
+                <a:pos x="T10" y="T11"/>
+              </a:cxn>
+              <a:cxn ang="0">
+                <a:pos x="T12" y="T13"/>
+              </a:cxn>
+              <a:cxn ang="0">
+                <a:pos x="T14" y="T15"/>
+              </a:cxn>
+              <a:cxn ang="0">
+                <a:pos x="T16" y="T17"/>
+              </a:cxn>
+              <a:cxn ang="0">
+                <a:pos x="T18" y="T19"/>
+              </a:cxn>
+              <a:cxn ang="0">
+                <a:pos x="T20" y="T21"/>
+              </a:cxn>
+              <a:cxn ang="0">
+                <a:pos x="T22" y="T23"/>
+              </a:cxn>
+              <a:cxn ang="0">
+                <a:pos x="T24" y="T25"/>
+              </a:cxn>
+            </a:cxnLst>
+            <a:rect l="0" t="0" r="r" b="b"/>
+            <a:pathLst>
+              <a:path w="288" h="368">
+                <a:moveTo>
+                  <a:pt x="83" y="154"/>
+                </a:moveTo>
+                <a:lnTo>
+                  <a:pt x="43" y="151"/>
+                </a:lnTo>
+                <a:lnTo>
+                  <a:pt x="0" y="149"/>
+                </a:lnTo>
+                <a:lnTo>
+                  <a:pt x="75" y="259"/>
+                </a:lnTo>
+                <a:lnTo>
+                  <a:pt x="127" y="334"/>
+                </a:lnTo>
+                <a:lnTo>
+                  <a:pt x="151" y="368"/>
+                </a:lnTo>
+                <a:lnTo>
+                  <a:pt x="156" y="359"/>
+                </a:lnTo>
+                <a:lnTo>
+                  <a:pt x="173" y="334"/>
+                </a:lnTo>
+                <a:lnTo>
+                  <a:pt x="219" y="258"/>
+                </a:lnTo>
+                <a:lnTo>
+                  <a:pt x="288" y="146"/>
+                </a:lnTo>
+                <a:lnTo>
+                  <a:pt x="208" y="156"/>
+                </a:lnTo>
+                <a:lnTo>
+                  <a:pt x="144" y="0"/>
+                </a:lnTo>
+                <a:lnTo>
+                  <a:pt x="83" y="154"/>
+                </a:lnTo>
+                <a:close/>
+              </a:path>
+            </a:pathLst>
+          </a:custGeom>
+          <a:solidFill>
+            <a:srgbClr val="FF0000">
+              <a:alpha val="75000"/>
+            </a:srgbClr>
+          </a:solidFill>
+          <a:ln>
+            <a:noFill/>
+          </a:ln>
+          <a:extLst>
+            <a:ext uri="{91240B29-F687-4F45-9708-019B960494DF}">
+              <a14:hiddenLine xmlns:a14="http://schemas.microsoft.com/office/drawing/2010/main" w="9525">
+                <a:solidFill>
+                  <a:srgbClr val="000000"/>
+                </a:solidFill>
+                <a:round/>
+                <a:headEnd/>
+                <a:tailEnd/>
+              </a14:hiddenLine>
+            </a:ext>
+          </a:extLst>
+        </p:spPr>
+        <p:txBody>
+          <a:bodyPr/>
+          <a:lstStyle/>
+          <a:p>
+            <a:endParaRPr lang="zh-CN" altLang="en-US"/>
+          </a:p>
+        </p:txBody>
+      </p:sp>
+      <p:sp>
+        <p:nvSpPr>
+          <p:cNvPr id="289824" name="Freeform 32"/>
+          <p:cNvSpPr>
+            <a:spLocks/>
+          </p:cNvSpPr>
+          <p:nvPr/>
+        </p:nvSpPr>
+        <p:spPr bwMode="auto">
+          <a:xfrm>
+            <a:off x="5867400" y="3048000"/>
+            <a:ext cx="457200" cy="584200"/>
+          </a:xfrm>
+          <a:custGeom>
+            <a:avLst/>
+            <a:gdLst>
+              <a:gd name="T0" fmla="*/ 83 w 288"/>
+              <a:gd name="T1" fmla="*/ 154 h 368"/>
+              <a:gd name="T2" fmla="*/ 43 w 288"/>
+              <a:gd name="T3" fmla="*/ 151 h 368"/>
+              <a:gd name="T4" fmla="*/ 0 w 288"/>
+              <a:gd name="T5" fmla="*/ 149 h 368"/>
+              <a:gd name="T6" fmla="*/ 75 w 288"/>
+              <a:gd name="T7" fmla="*/ 259 h 368"/>
+              <a:gd name="T8" fmla="*/ 127 w 288"/>
+              <a:gd name="T9" fmla="*/ 334 h 368"/>
+              <a:gd name="T10" fmla="*/ 151 w 288"/>
+              <a:gd name="T11" fmla="*/ 368 h 368"/>
+              <a:gd name="T12" fmla="*/ 156 w 288"/>
+              <a:gd name="T13" fmla="*/ 359 h 368"/>
+              <a:gd name="T14" fmla="*/ 173 w 288"/>
+              <a:gd name="T15" fmla="*/ 334 h 368"/>
+              <a:gd name="T16" fmla="*/ 219 w 288"/>
+              <a:gd name="T17" fmla="*/ 258 h 368"/>
+              <a:gd name="T18" fmla="*/ 288 w 288"/>
+              <a:gd name="T19" fmla="*/ 146 h 368"/>
+              <a:gd name="T20" fmla="*/ 208 w 288"/>
+              <a:gd name="T21" fmla="*/ 156 h 368"/>
+              <a:gd name="T22" fmla="*/ 144 w 288"/>
+              <a:gd name="T23" fmla="*/ 0 h 368"/>
+              <a:gd name="T24" fmla="*/ 83 w 288"/>
+              <a:gd name="T25" fmla="*/ 154 h 368"/>
+            </a:gdLst>
+            <a:ahLst/>
+            <a:cxnLst>
+              <a:cxn ang="0">
+                <a:pos x="T0" y="T1"/>
+              </a:cxn>
+              <a:cxn ang="0">
+                <a:pos x="T2" y="T3"/>
+              </a:cxn>
+              <a:cxn ang="0">
+                <a:pos x="T4" y="T5"/>
+              </a:cxn>
+              <a:cxn ang="0">
+                <a:pos x="T6" y="T7"/>
+              </a:cxn>
+              <a:cxn ang="0">
+                <a:pos x="T8" y="T9"/>
+              </a:cxn>
+              <a:cxn ang="0">
+                <a:pos x="T10" y="T11"/>
+              </a:cxn>
+              <a:cxn ang="0">
+                <a:pos x="T12" y="T13"/>
+              </a:cxn>
+              <a:cxn ang="0">
+                <a:pos x="T14" y="T15"/>
+              </a:cxn>
+              <a:cxn ang="0">
+                <a:pos x="T16" y="T17"/>
+              </a:cxn>
+              <a:cxn ang="0">
+                <a:pos x="T18" y="T19"/>
+              </a:cxn>
+              <a:cxn ang="0">
+                <a:pos x="T20" y="T21"/>
+              </a:cxn>
+              <a:cxn ang="0">
+                <a:pos x="T22" y="T23"/>
+              </a:cxn>
+              <a:cxn ang="0">
+                <a:pos x="T24" y="T25"/>
+              </a:cxn>
+            </a:cxnLst>
+            <a:rect l="0" t="0" r="r" b="b"/>
+            <a:pathLst>
+              <a:path w="288" h="368">
+                <a:moveTo>
+                  <a:pt x="83" y="154"/>
+                </a:moveTo>
+                <a:lnTo>
+                  <a:pt x="43" y="151"/>
+                </a:lnTo>
+                <a:lnTo>
+                  <a:pt x="0" y="149"/>
+                </a:lnTo>
+                <a:lnTo>
+                  <a:pt x="75" y="259"/>
+                </a:lnTo>
+                <a:lnTo>
+                  <a:pt x="127" y="334"/>
+                </a:lnTo>
+                <a:lnTo>
+                  <a:pt x="151" y="368"/>
+                </a:lnTo>
+                <a:lnTo>
+                  <a:pt x="156" y="359"/>
+                </a:lnTo>
+                <a:lnTo>
+                  <a:pt x="173" y="334"/>
+                </a:lnTo>
+                <a:lnTo>
+                  <a:pt x="219" y="258"/>
+                </a:lnTo>
+                <a:lnTo>
+                  <a:pt x="288" y="146"/>
+                </a:lnTo>
+                <a:lnTo>
+                  <a:pt x="208" y="156"/>
+                </a:lnTo>
+                <a:lnTo>
+                  <a:pt x="144" y="0"/>
+                </a:lnTo>
+                <a:lnTo>
+                  <a:pt x="83" y="154"/>
+                </a:lnTo>
+                <a:close/>
+              </a:path>
+            </a:pathLst>
+          </a:custGeom>
+          <a:solidFill>
+            <a:srgbClr val="FF0000">
+              <a:alpha val="75000"/>
+            </a:srgbClr>
+          </a:solidFill>
+          <a:ln>
+            <a:noFill/>
+          </a:ln>
+          <a:extLst>
+            <a:ext uri="{91240B29-F687-4F45-9708-019B960494DF}">
+              <a14:hiddenLine xmlns:a14="http://schemas.microsoft.com/office/drawing/2010/main" w="9525">
+                <a:solidFill>
+                  <a:srgbClr val="000000"/>
+                </a:solidFill>
+                <a:round/>
+                <a:headEnd/>
+                <a:tailEnd/>
+              </a14:hiddenLine>
+            </a:ext>
+          </a:extLst>
+        </p:spPr>
+        <p:txBody>
+          <a:bodyPr/>
+          <a:lstStyle/>
+          <a:p>
+            <a:endParaRPr lang="zh-CN" altLang="en-US"/>
+          </a:p>
+        </p:txBody>
+      </p:sp>
+      <p:sp>
+        <p:nvSpPr>
+          <p:cNvPr id="289825" name="Freeform 33"/>
+          <p:cNvSpPr>
+            <a:spLocks/>
+          </p:cNvSpPr>
+          <p:nvPr/>
+        </p:nvSpPr>
+        <p:spPr bwMode="auto">
+          <a:xfrm>
+            <a:off x="5867400" y="3886200"/>
+            <a:ext cx="457200" cy="584200"/>
+          </a:xfrm>
+          <a:custGeom>
+            <a:avLst/>
+            <a:gdLst>
+              <a:gd name="T0" fmla="*/ 83 w 288"/>
+              <a:gd name="T1" fmla="*/ 154 h 368"/>
+              <a:gd name="T2" fmla="*/ 43 w 288"/>
+              <a:gd name="T3" fmla="*/ 151 h 368"/>
+              <a:gd name="T4" fmla="*/ 0 w 288"/>
+              <a:gd name="T5" fmla="*/ 149 h 368"/>
+              <a:gd name="T6" fmla="*/ 75 w 288"/>
+              <a:gd name="T7" fmla="*/ 259 h 368"/>
+              <a:gd name="T8" fmla="*/ 127 w 288"/>
+              <a:gd name="T9" fmla="*/ 334 h 368"/>
+              <a:gd name="T10" fmla="*/ 151 w 288"/>
+              <a:gd name="T11" fmla="*/ 368 h 368"/>
+              <a:gd name="T12" fmla="*/ 156 w 288"/>
+              <a:gd name="T13" fmla="*/ 359 h 368"/>
+              <a:gd name="T14" fmla="*/ 173 w 288"/>
+              <a:gd name="T15" fmla="*/ 334 h 368"/>
+              <a:gd name="T16" fmla="*/ 219 w 288"/>
+              <a:gd name="T17" fmla="*/ 258 h 368"/>
+              <a:gd name="T18" fmla="*/ 288 w 288"/>
+              <a:gd name="T19" fmla="*/ 146 h 368"/>
+              <a:gd name="T20" fmla="*/ 208 w 288"/>
+              <a:gd name="T21" fmla="*/ 156 h 368"/>
+              <a:gd name="T22" fmla="*/ 144 w 288"/>
+              <a:gd name="T23" fmla="*/ 0 h 368"/>
+              <a:gd name="T24" fmla="*/ 83 w 288"/>
+              <a:gd name="T25" fmla="*/ 154 h 368"/>
+            </a:gdLst>
+            <a:ahLst/>
+            <a:cxnLst>
+              <a:cxn ang="0">
+                <a:pos x="T0" y="T1"/>
+              </a:cxn>
+              <a:cxn ang="0">
+                <a:pos x="T2" y="T3"/>
+              </a:cxn>
+              <a:cxn ang="0">
+                <a:pos x="T4" y="T5"/>
+              </a:cxn>
+              <a:cxn ang="0">
+                <a:pos x="T6" y="T7"/>
+              </a:cxn>
+              <a:cxn ang="0">
+                <a:pos x="T8" y="T9"/>
+              </a:cxn>
+              <a:cxn ang="0">
+                <a:pos x="T10" y="T11"/>
+              </a:cxn>
+              <a:cxn ang="0">
+                <a:pos x="T12" y="T13"/>
+              </a:cxn>
+              <a:cxn ang="0">
+                <a:pos x="T14" y="T15"/>
+              </a:cxn>
+              <a:cxn ang="0">
+                <a:pos x="T16" y="T17"/>
+              </a:cxn>
+              <a:cxn ang="0">
+                <a:pos x="T18" y="T19"/>
+              </a:cxn>
+              <a:cxn ang="0">
+                <a:pos x="T20" y="T21"/>
+              </a:cxn>
+              <a:cxn ang="0">
+                <a:pos x="T22" y="T23"/>
+              </a:cxn>
+              <a:cxn ang="0">
+                <a:pos x="T24" y="T25"/>
+              </a:cxn>
+            </a:cxnLst>
+            <a:rect l="0" t="0" r="r" b="b"/>
+            <a:pathLst>
+              <a:path w="288" h="368">
+                <a:moveTo>
+                  <a:pt x="83" y="154"/>
+                </a:moveTo>
+                <a:lnTo>
+                  <a:pt x="43" y="151"/>
+                </a:lnTo>
+                <a:lnTo>
+                  <a:pt x="0" y="149"/>
+                </a:lnTo>
+                <a:lnTo>
+                  <a:pt x="75" y="259"/>
+                </a:lnTo>
+                <a:lnTo>
+                  <a:pt x="127" y="334"/>
+                </a:lnTo>
+                <a:lnTo>
+                  <a:pt x="151" y="368"/>
+                </a:lnTo>
+                <a:lnTo>
+                  <a:pt x="156" y="359"/>
+                </a:lnTo>
+                <a:lnTo>
+                  <a:pt x="173" y="334"/>
+                </a:lnTo>
+                <a:lnTo>
+                  <a:pt x="219" y="258"/>
+                </a:lnTo>
+                <a:lnTo>
+                  <a:pt x="288" y="146"/>
+                </a:lnTo>
+                <a:lnTo>
+                  <a:pt x="208" y="156"/>
+                </a:lnTo>
+                <a:lnTo>
+                  <a:pt x="144" y="0"/>
+                </a:lnTo>
+                <a:lnTo>
+                  <a:pt x="83" y="154"/>
+                </a:lnTo>
+                <a:close/>
+              </a:path>
+            </a:pathLst>
+          </a:custGeom>
+          <a:solidFill>
+            <a:srgbClr val="FF0000">
+              <a:alpha val="75000"/>
+            </a:srgbClr>
+          </a:solidFill>
+          <a:ln>
+            <a:noFill/>
+          </a:ln>
+          <a:extLst>
+            <a:ext uri="{91240B29-F687-4F45-9708-019B960494DF}">
+              <a14:hiddenLine xmlns:a14="http://schemas.microsoft.com/office/drawing/2010/main" w="9525">
+                <a:solidFill>
+                  <a:srgbClr val="000000"/>
+                </a:solidFill>
+                <a:round/>
+                <a:headEnd/>
+                <a:tailEnd/>
+              </a14:hiddenLine>
+            </a:ext>
+          </a:extLst>
+        </p:spPr>
+        <p:txBody>
+          <a:bodyPr/>
+          <a:lstStyle/>
+          <a:p>
+            <a:endParaRPr lang="zh-CN" altLang="en-US"/>
+          </a:p>
+        </p:txBody>
+      </p:sp>
+    </p:spTree>
+    <p:extLst>
+      <p:ext uri="{BB962C8B-B14F-4D97-AF65-F5344CB8AC3E}">
+        <p14:creationId xmlns:p14="http://schemas.microsoft.com/office/powerpoint/2010/main" val="2561734266"/>
+      </p:ext>
+    </p:extLst>
+  </p:cSld>
+  <p:clrMapOvr>
+    <a:masterClrMapping/>
+  </p:clrMapOvr>
+  <p:timing>
+    <p:tnLst>
+      <p:par>
+        <p:cTn id="1" dur="indefinite" restart="never" nodeType="tmRoot"/>
+      </p:par>
+    </p:tnLst>
+  </p:timing>
+</p:sld>
+</file>
+
+<file path=ppt/slides/slide3.xml><?xml version="1.0" encoding="utf-8"?>
+<p:sld xmlns:a="http://schemas.openxmlformats.org/drawingml/2006/main" xmlns:r="http://schemas.openxmlformats.org/officeDocument/2006/relationships" xmlns:p="http://schemas.openxmlformats.org/presentationml/2006/main">
+  <p:cSld>
+    <p:spTree>
+      <p:nvGrpSpPr>
+        <p:cNvPr id="1" name=""/>
+        <p:cNvGrpSpPr/>
+        <p:nvPr/>
+      </p:nvGrpSpPr>
+      <p:grpSpPr>
+        <a:xfrm>
+          <a:off x="0" y="0"/>
+          <a:ext cx="0" cy="0"/>
+          <a:chOff x="0" y="0"/>
+          <a:chExt cx="0" cy="0"/>
+        </a:xfrm>
+      </p:grpSpPr>
+      <p:sp>
+        <p:nvSpPr>
           <p:cNvPr id="2" name="标题 1"/>
           <p:cNvSpPr>
             <a:spLocks noGrp="1"/>
@@ -4817,7 +6924,7 @@
 </p:sld>
 </file>
 
-<file path=ppt/slides/slide3.xml><?xml version="1.0" encoding="utf-8"?>
+<file path=ppt/slides/slide4.xml><?xml version="1.0" encoding="utf-8"?>
 <p:sld xmlns:a="http://schemas.openxmlformats.org/drawingml/2006/main" xmlns:r="http://schemas.openxmlformats.org/officeDocument/2006/relationships" xmlns:p="http://schemas.openxmlformats.org/presentationml/2006/main">
   <p:cSld>
     <p:spTree>
@@ -5053,7 +7160,7 @@
 </p:sld>
 </file>
 
-<file path=ppt/slides/slide4.xml><?xml version="1.0" encoding="utf-8"?>
+<file path=ppt/slides/slide5.xml><?xml version="1.0" encoding="utf-8"?>
 <p:sld xmlns:a="http://schemas.openxmlformats.org/drawingml/2006/main" xmlns:r="http://schemas.openxmlformats.org/officeDocument/2006/relationships" xmlns:p="http://schemas.openxmlformats.org/presentationml/2006/main">
   <p:cSld>
     <p:spTree>
@@ -5421,7 +7528,7 @@
 </p:sld>
 </file>
 
-<file path=ppt/slides/slide5.xml><?xml version="1.0" encoding="utf-8"?>
+<file path=ppt/slides/slide6.xml><?xml version="1.0" encoding="utf-8"?>
 <p:sld xmlns:a="http://schemas.openxmlformats.org/drawingml/2006/main" xmlns:r="http://schemas.openxmlformats.org/officeDocument/2006/relationships" xmlns:p="http://schemas.openxmlformats.org/presentationml/2006/main">
   <p:cSld>
     <p:spTree>
@@ -5708,7 +7815,7 @@
 </p:sld>
 </file>
 
-<file path=ppt/slides/slide6.xml><?xml version="1.0" encoding="utf-8"?>
+<file path=ppt/slides/slide7.xml><?xml version="1.0" encoding="utf-8"?>
 <p:sld xmlns:a="http://schemas.openxmlformats.org/drawingml/2006/main" xmlns:r="http://schemas.openxmlformats.org/officeDocument/2006/relationships" xmlns:p="http://schemas.openxmlformats.org/presentationml/2006/main">
   <p:cSld>
     <p:spTree>

--- a/��Ŀ����ʵս/Lesson 5 �ƻ��׶θ���.pptx
+++ b/��Ŀ����ʵս/Lesson 5 �ƻ��׶θ���.pptx
@@ -5,16 +5,17 @@
     <p:sldMasterId id="2147483660" r:id="rId1"/>
   </p:sldMasterIdLst>
   <p:notesMasterIdLst>
-    <p:notesMasterId r:id="rId9"/>
+    <p:notesMasterId r:id="rId10"/>
   </p:notesMasterIdLst>
   <p:sldIdLst>
     <p:sldId id="257" r:id="rId2"/>
-    <p:sldId id="266" r:id="rId3"/>
-    <p:sldId id="260" r:id="rId4"/>
-    <p:sldId id="261" r:id="rId5"/>
-    <p:sldId id="262" r:id="rId6"/>
-    <p:sldId id="263" r:id="rId7"/>
-    <p:sldId id="264" r:id="rId8"/>
+    <p:sldId id="267" r:id="rId3"/>
+    <p:sldId id="266" r:id="rId4"/>
+    <p:sldId id="260" r:id="rId5"/>
+    <p:sldId id="261" r:id="rId6"/>
+    <p:sldId id="262" r:id="rId7"/>
+    <p:sldId id="263" r:id="rId8"/>
+    <p:sldId id="264" r:id="rId9"/>
   </p:sldIdLst>
   <p:sldSz cx="9144000" cy="6858000" type="screen4x3"/>
   <p:notesSz cx="6858000" cy="9144000"/>
@@ -198,7 +199,7 @@
           <a:p>
             <a:fld id="{8B2801E3-CA6A-4A79-87E4-A028D49854B5}" type="datetimeFigureOut">
               <a:rPr lang="zh-CN" altLang="en-US" smtClean="0"/>
-              <a:t>2011/8/3</a:t>
+              <a:t>2011/8/9</a:t>
             </a:fld>
             <a:endParaRPr lang="zh-CN" altLang="en-US"/>
           </a:p>
@@ -675,7 +676,7 @@
           <a:p>
             <a:fld id="{530820CF-B880-4189-942D-D702A7CBA730}" type="datetimeFigureOut">
               <a:rPr lang="zh-CN" altLang="en-US" smtClean="0"/>
-              <a:t>2011/8/3</a:t>
+              <a:t>2011/8/9</a:t>
             </a:fld>
             <a:endParaRPr lang="zh-CN" altLang="en-US"/>
           </a:p>
@@ -908,7 +909,7 @@
           <a:p>
             <a:fld id="{530820CF-B880-4189-942D-D702A7CBA730}" type="datetimeFigureOut">
               <a:rPr lang="zh-CN" altLang="en-US" smtClean="0"/>
-              <a:t>2011/8/3</a:t>
+              <a:t>2011/8/9</a:t>
             </a:fld>
             <a:endParaRPr lang="zh-CN" altLang="en-US"/>
           </a:p>
@@ -1146,7 +1147,7 @@
           <a:p>
             <a:fld id="{530820CF-B880-4189-942D-D702A7CBA730}" type="datetimeFigureOut">
               <a:rPr lang="zh-CN" altLang="en-US" smtClean="0"/>
-              <a:t>2011/8/3</a:t>
+              <a:t>2011/8/9</a:t>
             </a:fld>
             <a:endParaRPr lang="zh-CN" altLang="en-US"/>
           </a:p>
@@ -1481,7 +1482,7 @@
           <a:p>
             <a:fld id="{530820CF-B880-4189-942D-D702A7CBA730}" type="datetimeFigureOut">
               <a:rPr lang="zh-CN" altLang="en-US" smtClean="0"/>
-              <a:t>2011/8/3</a:t>
+              <a:t>2011/8/9</a:t>
             </a:fld>
             <a:endParaRPr lang="zh-CN" altLang="en-US"/>
           </a:p>
@@ -1734,7 +1735,7 @@
           <a:p>
             <a:fld id="{530820CF-B880-4189-942D-D702A7CBA730}" type="datetimeFigureOut">
               <a:rPr lang="zh-CN" altLang="en-US" smtClean="0"/>
-              <a:t>2011/8/3</a:t>
+              <a:t>2011/8/9</a:t>
             </a:fld>
             <a:endParaRPr lang="zh-CN" altLang="en-US"/>
           </a:p>
@@ -2099,7 +2100,7 @@
           <a:p>
             <a:fld id="{530820CF-B880-4189-942D-D702A7CBA730}" type="datetimeFigureOut">
               <a:rPr lang="zh-CN" altLang="en-US" smtClean="0"/>
-              <a:t>2011/8/3</a:t>
+              <a:t>2011/8/9</a:t>
             </a:fld>
             <a:endParaRPr lang="zh-CN" altLang="en-US"/>
           </a:p>
@@ -2642,7 +2643,7 @@
           <a:p>
             <a:fld id="{530820CF-B880-4189-942D-D702A7CBA730}" type="datetimeFigureOut">
               <a:rPr lang="zh-CN" altLang="en-US" smtClean="0"/>
-              <a:t>2011/8/3</a:t>
+              <a:t>2011/8/9</a:t>
             </a:fld>
             <a:endParaRPr lang="zh-CN" altLang="en-US"/>
           </a:p>
@@ -2767,7 +2768,7 @@
           <a:p>
             <a:fld id="{530820CF-B880-4189-942D-D702A7CBA730}" type="datetimeFigureOut">
               <a:rPr lang="zh-CN" altLang="en-US" smtClean="0"/>
-              <a:t>2011/8/3</a:t>
+              <a:t>2011/8/9</a:t>
             </a:fld>
             <a:endParaRPr lang="zh-CN" altLang="en-US"/>
           </a:p>
@@ -2869,7 +2870,7 @@
           <a:p>
             <a:fld id="{530820CF-B880-4189-942D-D702A7CBA730}" type="datetimeFigureOut">
               <a:rPr lang="zh-CN" altLang="en-US" smtClean="0"/>
-              <a:t>2011/8/3</a:t>
+              <a:t>2011/8/9</a:t>
             </a:fld>
             <a:endParaRPr lang="zh-CN" altLang="en-US"/>
           </a:p>
@@ -3202,7 +3203,7 @@
           <a:p>
             <a:fld id="{530820CF-B880-4189-942D-D702A7CBA730}" type="datetimeFigureOut">
               <a:rPr lang="zh-CN" altLang="en-US" smtClean="0"/>
-              <a:t>2011/8/3</a:t>
+              <a:t>2011/8/9</a:t>
             </a:fld>
             <a:endParaRPr lang="zh-CN" altLang="en-US"/>
           </a:p>
@@ -3473,7 +3474,7 @@
           <a:p>
             <a:fld id="{530820CF-B880-4189-942D-D702A7CBA730}" type="datetimeFigureOut">
               <a:rPr lang="zh-CN" altLang="en-US" smtClean="0"/>
-              <a:t>2011/8/3</a:t>
+              <a:t>2011/8/9</a:t>
             </a:fld>
             <a:endParaRPr lang="zh-CN" altLang="en-US"/>
           </a:p>
@@ -3910,7 +3911,7 @@
           <a:p>
             <a:fld id="{530820CF-B880-4189-942D-D702A7CBA730}" type="datetimeFigureOut">
               <a:rPr lang="zh-CN" altLang="en-US" smtClean="0"/>
-              <a:t>2011/8/3</a:t>
+              <a:t>2011/8/9</a:t>
             </a:fld>
             <a:endParaRPr lang="zh-CN" altLang="en-US"/>
           </a:p>
@@ -4517,14 +4518,10 @@
           <a:lstStyle/>
           <a:p>
             <a:r>
-              <a:rPr lang="zh-CN" altLang="en-US" dirty="0" smtClean="0">
-                <a:ea typeface="宋体" charset="-122"/>
-              </a:rPr>
-              <a:t>什么是设计阶段</a:t>
-            </a:r>
-            <a:endParaRPr lang="en-US" altLang="zh-CN" dirty="0">
-              <a:ea typeface="宋体" charset="-122"/>
-            </a:endParaRPr>
+              <a:rPr lang="zh-CN" altLang="en-US" dirty="0" smtClean="0"/>
+              <a:t>引言</a:t>
+            </a:r>
+            <a:endParaRPr lang="en-US" altLang="zh-CN" dirty="0"/>
           </a:p>
         </p:txBody>
       </p:sp>
@@ -4600,12 +4597,14 @@
             </a:pPr>
             <a:r>
               <a:rPr lang="zh-CN" altLang="en-US" sz="2400" dirty="0" smtClean="0">
-                <a:ea typeface="宋体" charset="-122"/>
+                <a:latin typeface="微软雅黑" pitchFamily="34" charset="-122"/>
+                <a:ea typeface="微软雅黑" pitchFamily="34" charset="-122"/>
               </a:rPr>
               <a:t>处理构想阶段收集到的信息</a:t>
             </a:r>
             <a:endParaRPr lang="en-US" altLang="zh-CN" sz="2400" dirty="0">
-              <a:ea typeface="宋体" charset="-122"/>
+              <a:latin typeface="微软雅黑" pitchFamily="34" charset="-122"/>
+              <a:ea typeface="微软雅黑" pitchFamily="34" charset="-122"/>
             </a:endParaRPr>
           </a:p>
         </p:txBody>
@@ -6570,6 +6569,2162 @@
           </a:p>
         </p:txBody>
       </p:sp>
+      <p:sp>
+        <p:nvSpPr>
+          <p:cNvPr id="2" name="矩形 1"/>
+          <p:cNvSpPr/>
+          <p:nvPr/>
+        </p:nvSpPr>
+        <p:spPr>
+          <a:xfrm>
+            <a:off x="827584" y="2530475"/>
+            <a:ext cx="7128792" cy="1647825"/>
+          </a:xfrm>
+          <a:prstGeom prst="rect">
+            <a:avLst/>
+          </a:prstGeom>
+          <a:solidFill>
+            <a:srgbClr val="EAEAEA">
+              <a:alpha val="0"/>
+            </a:srgbClr>
+          </a:solidFill>
+          <a:ln>
+            <a:solidFill>
+              <a:srgbClr val="C00000"/>
+            </a:solidFill>
+          </a:ln>
+        </p:spPr>
+        <p:style>
+          <a:lnRef idx="2">
+            <a:schemeClr val="accent1">
+              <a:shade val="50000"/>
+            </a:schemeClr>
+          </a:lnRef>
+          <a:fillRef idx="1">
+            <a:schemeClr val="accent1"/>
+          </a:fillRef>
+          <a:effectRef idx="0">
+            <a:schemeClr val="accent1"/>
+          </a:effectRef>
+          <a:fontRef idx="minor">
+            <a:schemeClr val="lt1"/>
+          </a:fontRef>
+        </p:style>
+        <p:txBody>
+          <a:bodyPr rtlCol="0" anchor="ctr"/>
+          <a:lstStyle/>
+          <a:p>
+            <a:pPr algn="ctr"/>
+            <a:endParaRPr lang="zh-CN" altLang="en-US"/>
+          </a:p>
+        </p:txBody>
+      </p:sp>
+    </p:spTree>
+    <p:extLst>
+      <p:ext uri="{BB962C8B-B14F-4D97-AF65-F5344CB8AC3E}">
+        <p14:creationId xmlns:p14="http://schemas.microsoft.com/office/powerpoint/2010/main" val="1945358182"/>
+      </p:ext>
+    </p:extLst>
+  </p:cSld>
+  <p:clrMapOvr>
+    <a:masterClrMapping/>
+  </p:clrMapOvr>
+  <p:timing>
+    <p:tnLst>
+      <p:par>
+        <p:cTn id="1" dur="indefinite" restart="never" nodeType="tmRoot"/>
+      </p:par>
+    </p:tnLst>
+  </p:timing>
+</p:sld>
+</file>
+
+<file path=ppt/slides/slide3.xml><?xml version="1.0" encoding="utf-8"?>
+<p:sld xmlns:a="http://schemas.openxmlformats.org/drawingml/2006/main" xmlns:r="http://schemas.openxmlformats.org/officeDocument/2006/relationships" xmlns:p="http://schemas.openxmlformats.org/presentationml/2006/main">
+  <p:cSld>
+    <p:spTree>
+      <p:nvGrpSpPr>
+        <p:cNvPr id="1" name=""/>
+        <p:cNvGrpSpPr/>
+        <p:nvPr/>
+      </p:nvGrpSpPr>
+      <p:grpSpPr>
+        <a:xfrm>
+          <a:off x="0" y="0"/>
+          <a:ext cx="0" cy="0"/>
+          <a:chOff x="0" y="0"/>
+          <a:chExt cx="0" cy="0"/>
+        </a:xfrm>
+      </p:grpSpPr>
+      <p:sp>
+        <p:nvSpPr>
+          <p:cNvPr id="289794" name="Rectangle 2"/>
+          <p:cNvSpPr>
+            <a:spLocks noGrp="1" noChangeArrowheads="1"/>
+          </p:cNvSpPr>
+          <p:nvPr>
+            <p:ph type="title"/>
+          </p:nvPr>
+        </p:nvSpPr>
+        <p:spPr/>
+        <p:txBody>
+          <a:bodyPr/>
+          <a:lstStyle/>
+          <a:p>
+            <a:r>
+              <a:rPr lang="zh-CN" altLang="en-US" dirty="0" smtClean="0">
+                <a:ea typeface="宋体" charset="-122"/>
+              </a:rPr>
+              <a:t>什么是设计阶段</a:t>
+            </a:r>
+            <a:endParaRPr lang="en-US" altLang="zh-CN" dirty="0">
+              <a:ea typeface="宋体" charset="-122"/>
+            </a:endParaRPr>
+          </a:p>
+        </p:txBody>
+      </p:sp>
+      <p:sp>
+        <p:nvSpPr>
+          <p:cNvPr id="289800" name="Rectangle 8"/>
+          <p:cNvSpPr>
+            <a:spLocks noChangeArrowheads="1"/>
+          </p:cNvSpPr>
+          <p:nvPr/>
+        </p:nvSpPr>
+        <p:spPr bwMode="auto">
+          <a:xfrm>
+            <a:off x="1050925" y="1325563"/>
+            <a:ext cx="7026275" cy="4694237"/>
+          </a:xfrm>
+          <a:prstGeom prst="rect">
+            <a:avLst/>
+          </a:prstGeom>
+          <a:noFill/>
+          <a:ln>
+            <a:noFill/>
+          </a:ln>
+          <a:effectLst/>
+          <a:extLst>
+            <a:ext uri="{909E8E84-426E-40DD-AFC4-6F175D3DCCD1}">
+              <a14:hiddenFill xmlns:a14="http://schemas.microsoft.com/office/drawing/2010/main">
+                <a:solidFill>
+                  <a:schemeClr val="accent1"/>
+                </a:solidFill>
+              </a14:hiddenFill>
+            </a:ext>
+            <a:ext uri="{91240B29-F687-4F45-9708-019B960494DF}">
+              <a14:hiddenLine xmlns:a14="http://schemas.microsoft.com/office/drawing/2010/main" w="9525">
+                <a:solidFill>
+                  <a:schemeClr val="tx1"/>
+                </a:solidFill>
+                <a:miter lim="800000"/>
+                <a:headEnd/>
+                <a:tailEnd/>
+              </a14:hiddenLine>
+            </a:ext>
+            <a:ext uri="{AF507438-7753-43E0-B8FC-AC1667EBCBE1}">
+              <a14:hiddenEffects xmlns:a14="http://schemas.microsoft.com/office/drawing/2010/main">
+                <a:effectLst>
+                  <a:outerShdw dist="35921" dir="2700000" algn="ctr" rotWithShape="0">
+                    <a:schemeClr val="bg2"/>
+                  </a:outerShdw>
+                </a:effectLst>
+              </a14:hiddenEffects>
+            </a:ext>
+          </a:extLst>
+        </p:spPr>
+        <p:txBody>
+          <a:bodyPr lIns="0" tIns="0" rIns="0" bIns="0"/>
+          <a:lstStyle/>
+          <a:p>
+            <a:pPr marL="228600" indent="-228600" algn="l">
+              <a:lnSpc>
+                <a:spcPct val="90000"/>
+              </a:lnSpc>
+              <a:spcBef>
+                <a:spcPct val="40000"/>
+              </a:spcBef>
+              <a:buClr>
+                <a:srgbClr val="8DACD0"/>
+              </a:buClr>
+              <a:buSzPct val="70000"/>
+              <a:buFont typeface="Wingdings" pitchFamily="2" charset="2"/>
+              <a:buBlip>
+                <a:blip r:embed="rId2"/>
+              </a:buBlip>
+            </a:pPr>
+            <a:r>
+              <a:rPr lang="zh-CN" altLang="en-US" sz="2400" dirty="0" smtClean="0">
+                <a:ea typeface="宋体" charset="-122"/>
+              </a:rPr>
+              <a:t>处理构想阶段收集到的信息</a:t>
+            </a:r>
+            <a:endParaRPr lang="en-US" altLang="zh-CN" sz="2400" dirty="0">
+              <a:ea typeface="宋体" charset="-122"/>
+            </a:endParaRPr>
+          </a:p>
+        </p:txBody>
+      </p:sp>
+      <p:sp>
+        <p:nvSpPr>
+          <p:cNvPr id="289801" name="AutoShape 9"/>
+          <p:cNvSpPr>
+            <a:spLocks noChangeArrowheads="1"/>
+          </p:cNvSpPr>
+          <p:nvPr/>
+        </p:nvSpPr>
+        <p:spPr bwMode="auto">
+          <a:xfrm flipV="1">
+            <a:off x="1409700" y="2133600"/>
+            <a:ext cx="2514600" cy="4419600"/>
+          </a:xfrm>
+          <a:prstGeom prst="roundRect">
+            <a:avLst>
+              <a:gd name="adj" fmla="val 2931"/>
+            </a:avLst>
+          </a:prstGeom>
+          <a:gradFill rotWithShape="1">
+            <a:gsLst>
+              <a:gs pos="0">
+                <a:srgbClr val="EEEFD7">
+                  <a:alpha val="39999"/>
+                </a:srgbClr>
+              </a:gs>
+              <a:gs pos="100000">
+                <a:srgbClr val="EEEFD7"/>
+              </a:gs>
+            </a:gsLst>
+            <a:lin ang="5400000" scaled="1"/>
+          </a:gradFill>
+          <a:ln>
+            <a:noFill/>
+          </a:ln>
+          <a:effectLst/>
+          <a:extLst>
+            <a:ext uri="{91240B29-F687-4F45-9708-019B960494DF}">
+              <a14:hiddenLine xmlns:a14="http://schemas.microsoft.com/office/drawing/2010/main" w="6350" algn="ctr">
+                <a:solidFill>
+                  <a:schemeClr val="tx1"/>
+                </a:solidFill>
+                <a:round/>
+                <a:headEnd/>
+                <a:tailEnd/>
+              </a14:hiddenLine>
+            </a:ext>
+            <a:ext uri="{AF507438-7753-43E0-B8FC-AC1667EBCBE1}">
+              <a14:hiddenEffects xmlns:a14="http://schemas.microsoft.com/office/drawing/2010/main">
+                <a:effectLst>
+                  <a:outerShdw dist="35921" dir="2700000" algn="ctr" rotWithShape="0">
+                    <a:srgbClr val="808080"/>
+                  </a:outerShdw>
+                </a:effectLst>
+              </a14:hiddenEffects>
+            </a:ext>
+          </a:extLst>
+        </p:spPr>
+        <p:txBody>
+          <a:bodyPr/>
+          <a:lstStyle/>
+          <a:p>
+            <a:endParaRPr lang="zh-CN" altLang="en-US"/>
+          </a:p>
+        </p:txBody>
+      </p:sp>
+      <p:sp>
+        <p:nvSpPr>
+          <p:cNvPr id="289803" name="AutoShape 11"/>
+          <p:cNvSpPr>
+            <a:spLocks noChangeArrowheads="1"/>
+          </p:cNvSpPr>
+          <p:nvPr/>
+        </p:nvSpPr>
+        <p:spPr bwMode="auto">
+          <a:xfrm flipV="1">
+            <a:off x="4876800" y="2133600"/>
+            <a:ext cx="2514600" cy="4419600"/>
+          </a:xfrm>
+          <a:prstGeom prst="roundRect">
+            <a:avLst>
+              <a:gd name="adj" fmla="val 2931"/>
+            </a:avLst>
+          </a:prstGeom>
+          <a:gradFill rotWithShape="1">
+            <a:gsLst>
+              <a:gs pos="0">
+                <a:srgbClr val="EEEFD7">
+                  <a:alpha val="39999"/>
+                </a:srgbClr>
+              </a:gs>
+              <a:gs pos="100000">
+                <a:srgbClr val="EEEFD7"/>
+              </a:gs>
+            </a:gsLst>
+            <a:lin ang="5400000" scaled="1"/>
+          </a:gradFill>
+          <a:ln>
+            <a:noFill/>
+          </a:ln>
+          <a:effectLst/>
+          <a:extLst>
+            <a:ext uri="{91240B29-F687-4F45-9708-019B960494DF}">
+              <a14:hiddenLine xmlns:a14="http://schemas.microsoft.com/office/drawing/2010/main" w="6350" algn="ctr">
+                <a:solidFill>
+                  <a:schemeClr val="tx1"/>
+                </a:solidFill>
+                <a:round/>
+                <a:headEnd/>
+                <a:tailEnd/>
+              </a14:hiddenLine>
+            </a:ext>
+            <a:ext uri="{AF507438-7753-43E0-B8FC-AC1667EBCBE1}">
+              <a14:hiddenEffects xmlns:a14="http://schemas.microsoft.com/office/drawing/2010/main">
+                <a:effectLst>
+                  <a:outerShdw dist="35921" dir="2700000" algn="ctr" rotWithShape="0">
+                    <a:srgbClr val="808080"/>
+                  </a:outerShdw>
+                </a:effectLst>
+              </a14:hiddenEffects>
+            </a:ext>
+          </a:extLst>
+        </p:spPr>
+        <p:txBody>
+          <a:bodyPr/>
+          <a:lstStyle/>
+          <a:p>
+            <a:endParaRPr lang="zh-CN" altLang="en-US"/>
+          </a:p>
+        </p:txBody>
+      </p:sp>
+      <p:sp>
+        <p:nvSpPr>
+          <p:cNvPr id="289804" name="Text Box 12"/>
+          <p:cNvSpPr txBox="1">
+            <a:spLocks noChangeArrowheads="1"/>
+          </p:cNvSpPr>
+          <p:nvPr/>
+        </p:nvSpPr>
+        <p:spPr bwMode="auto">
+          <a:xfrm>
+            <a:off x="1649413" y="2133600"/>
+            <a:ext cx="2033587" cy="396875"/>
+          </a:xfrm>
+          <a:prstGeom prst="rect">
+            <a:avLst/>
+          </a:prstGeom>
+          <a:noFill/>
+          <a:ln>
+            <a:noFill/>
+          </a:ln>
+          <a:effectLst/>
+          <a:extLst>
+            <a:ext uri="{909E8E84-426E-40DD-AFC4-6F175D3DCCD1}">
+              <a14:hiddenFill xmlns:a14="http://schemas.microsoft.com/office/drawing/2010/main">
+                <a:solidFill>
+                  <a:schemeClr val="bg1"/>
+                </a:solidFill>
+              </a14:hiddenFill>
+            </a:ext>
+            <a:ext uri="{91240B29-F687-4F45-9708-019B960494DF}">
+              <a14:hiddenLine xmlns:a14="http://schemas.microsoft.com/office/drawing/2010/main" w="9525" algn="ctr">
+                <a:solidFill>
+                  <a:srgbClr val="333333"/>
+                </a:solidFill>
+                <a:miter lim="800000"/>
+                <a:headEnd/>
+                <a:tailEnd/>
+              </a14:hiddenLine>
+            </a:ext>
+            <a:ext uri="{AF507438-7753-43E0-B8FC-AC1667EBCBE1}">
+              <a14:hiddenEffects xmlns:a14="http://schemas.microsoft.com/office/drawing/2010/main">
+                <a:effectLst>
+                  <a:outerShdw dist="35921" dir="2700000" algn="ctr" rotWithShape="0">
+                    <a:srgbClr val="AFAFAF"/>
+                  </a:outerShdw>
+                </a:effectLst>
+              </a14:hiddenEffects>
+            </a:ext>
+          </a:extLst>
+        </p:spPr>
+        <p:txBody>
+          <a:bodyPr wrap="none">
+            <a:spAutoFit/>
+          </a:bodyPr>
+          <a:lstStyle/>
+          <a:p>
+            <a:r>
+              <a:rPr lang="en-US" altLang="zh-CN" sz="2000">
+                <a:ea typeface="宋体" charset="-122"/>
+              </a:rPr>
+              <a:t>Envisioning Phase</a:t>
+            </a:r>
+          </a:p>
+        </p:txBody>
+      </p:sp>
+      <p:sp>
+        <p:nvSpPr>
+          <p:cNvPr id="289805" name="Text Box 13"/>
+          <p:cNvSpPr txBox="1">
+            <a:spLocks noChangeArrowheads="1"/>
+          </p:cNvSpPr>
+          <p:nvPr/>
+        </p:nvSpPr>
+        <p:spPr bwMode="auto">
+          <a:xfrm>
+            <a:off x="5267325" y="2133600"/>
+            <a:ext cx="1733550" cy="396875"/>
+          </a:xfrm>
+          <a:prstGeom prst="rect">
+            <a:avLst/>
+          </a:prstGeom>
+          <a:noFill/>
+          <a:ln>
+            <a:noFill/>
+          </a:ln>
+          <a:effectLst/>
+          <a:extLst>
+            <a:ext uri="{909E8E84-426E-40DD-AFC4-6F175D3DCCD1}">
+              <a14:hiddenFill xmlns:a14="http://schemas.microsoft.com/office/drawing/2010/main">
+                <a:solidFill>
+                  <a:schemeClr val="bg1"/>
+                </a:solidFill>
+              </a14:hiddenFill>
+            </a:ext>
+            <a:ext uri="{91240B29-F687-4F45-9708-019B960494DF}">
+              <a14:hiddenLine xmlns:a14="http://schemas.microsoft.com/office/drawing/2010/main" w="9525" algn="ctr">
+                <a:solidFill>
+                  <a:srgbClr val="333333"/>
+                </a:solidFill>
+                <a:miter lim="800000"/>
+                <a:headEnd/>
+                <a:tailEnd/>
+              </a14:hiddenLine>
+            </a:ext>
+            <a:ext uri="{AF507438-7753-43E0-B8FC-AC1667EBCBE1}">
+              <a14:hiddenEffects xmlns:a14="http://schemas.microsoft.com/office/drawing/2010/main">
+                <a:effectLst>
+                  <a:outerShdw dist="35921" dir="2700000" algn="ctr" rotWithShape="0">
+                    <a:srgbClr val="AFAFAF"/>
+                  </a:outerShdw>
+                </a:effectLst>
+              </a14:hiddenEffects>
+            </a:ext>
+          </a:extLst>
+        </p:spPr>
+        <p:txBody>
+          <a:bodyPr wrap="none">
+            <a:spAutoFit/>
+          </a:bodyPr>
+          <a:lstStyle/>
+          <a:p>
+            <a:r>
+              <a:rPr lang="en-US" altLang="zh-CN" sz="2000">
+                <a:ea typeface="宋体" charset="-122"/>
+              </a:rPr>
+              <a:t>Planning Phase</a:t>
+            </a:r>
+          </a:p>
+        </p:txBody>
+      </p:sp>
+      <p:sp>
+        <p:nvSpPr>
+          <p:cNvPr id="289806" name="AutoShape 14"/>
+          <p:cNvSpPr>
+            <a:spLocks noChangeArrowheads="1"/>
+          </p:cNvSpPr>
+          <p:nvPr/>
+        </p:nvSpPr>
+        <p:spPr bwMode="auto">
+          <a:xfrm>
+            <a:off x="1219200" y="2667000"/>
+            <a:ext cx="2895600" cy="457200"/>
+          </a:xfrm>
+          <a:prstGeom prst="roundRect">
+            <a:avLst>
+              <a:gd name="adj" fmla="val 4167"/>
+            </a:avLst>
+          </a:prstGeom>
+          <a:gradFill rotWithShape="1">
+            <a:gsLst>
+              <a:gs pos="0">
+                <a:srgbClr val="8DACD0"/>
+              </a:gs>
+              <a:gs pos="100000">
+                <a:srgbClr val="DEE7F1"/>
+              </a:gs>
+            </a:gsLst>
+            <a:lin ang="2700000" scaled="1"/>
+          </a:gradFill>
+          <a:ln w="9525">
+            <a:solidFill>
+              <a:srgbClr val="4D4D4D"/>
+            </a:solidFill>
+            <a:round/>
+            <a:headEnd/>
+            <a:tailEnd/>
+          </a:ln>
+          <a:effectLst>
+            <a:outerShdw dist="35921" dir="2700000" algn="ctr" rotWithShape="0">
+              <a:srgbClr val="AFAFAF"/>
+            </a:outerShdw>
+          </a:effectLst>
+        </p:spPr>
+        <p:txBody>
+          <a:bodyPr anchor="ctr"/>
+          <a:lstStyle/>
+          <a:p>
+            <a:r>
+              <a:rPr lang="en-US" altLang="zh-CN" sz="2000">
+                <a:ea typeface="宋体" charset="-122"/>
+              </a:rPr>
+              <a:t>High-level Requirements</a:t>
+            </a:r>
+          </a:p>
+        </p:txBody>
+      </p:sp>
+      <p:sp>
+        <p:nvSpPr>
+          <p:cNvPr id="289807" name="AutoShape 15"/>
+          <p:cNvSpPr>
+            <a:spLocks noChangeArrowheads="1"/>
+          </p:cNvSpPr>
+          <p:nvPr/>
+        </p:nvSpPr>
+        <p:spPr bwMode="auto">
+          <a:xfrm>
+            <a:off x="1219200" y="3505200"/>
+            <a:ext cx="2895600" cy="457200"/>
+          </a:xfrm>
+          <a:prstGeom prst="roundRect">
+            <a:avLst>
+              <a:gd name="adj" fmla="val 4167"/>
+            </a:avLst>
+          </a:prstGeom>
+          <a:gradFill rotWithShape="1">
+            <a:gsLst>
+              <a:gs pos="0">
+                <a:srgbClr val="8DACD0"/>
+              </a:gs>
+              <a:gs pos="100000">
+                <a:srgbClr val="DEE7F1"/>
+              </a:gs>
+            </a:gsLst>
+            <a:lin ang="2700000" scaled="1"/>
+          </a:gradFill>
+          <a:ln w="9525">
+            <a:solidFill>
+              <a:srgbClr val="4D4D4D"/>
+            </a:solidFill>
+            <a:round/>
+            <a:headEnd/>
+            <a:tailEnd/>
+          </a:ln>
+          <a:effectLst>
+            <a:outerShdw dist="35921" dir="2700000" algn="ctr" rotWithShape="0">
+              <a:srgbClr val="AFAFAF"/>
+            </a:outerShdw>
+          </a:effectLst>
+        </p:spPr>
+        <p:txBody>
+          <a:bodyPr anchor="ctr"/>
+          <a:lstStyle/>
+          <a:p>
+            <a:r>
+              <a:rPr lang="en-US" altLang="zh-CN" sz="2000">
+                <a:ea typeface="宋体" charset="-122"/>
+              </a:rPr>
+              <a:t>High-level Scenarios</a:t>
+            </a:r>
+          </a:p>
+        </p:txBody>
+      </p:sp>
+      <p:sp>
+        <p:nvSpPr>
+          <p:cNvPr id="289808" name="AutoShape 16"/>
+          <p:cNvSpPr>
+            <a:spLocks noChangeArrowheads="1"/>
+          </p:cNvSpPr>
+          <p:nvPr/>
+        </p:nvSpPr>
+        <p:spPr bwMode="auto">
+          <a:xfrm>
+            <a:off x="1219200" y="4343400"/>
+            <a:ext cx="2895600" cy="457200"/>
+          </a:xfrm>
+          <a:prstGeom prst="roundRect">
+            <a:avLst>
+              <a:gd name="adj" fmla="val 4167"/>
+            </a:avLst>
+          </a:prstGeom>
+          <a:gradFill rotWithShape="1">
+            <a:gsLst>
+              <a:gs pos="0">
+                <a:srgbClr val="8DACD0"/>
+              </a:gs>
+              <a:gs pos="100000">
+                <a:srgbClr val="DEE7F1"/>
+              </a:gs>
+            </a:gsLst>
+            <a:lin ang="2700000" scaled="1"/>
+          </a:gradFill>
+          <a:ln w="9525">
+            <a:solidFill>
+              <a:srgbClr val="4D4D4D"/>
+            </a:solidFill>
+            <a:round/>
+            <a:headEnd/>
+            <a:tailEnd/>
+          </a:ln>
+          <a:effectLst>
+            <a:outerShdw dist="35921" dir="2700000" algn="ctr" rotWithShape="0">
+              <a:srgbClr val="AFAFAF"/>
+            </a:outerShdw>
+          </a:effectLst>
+        </p:spPr>
+        <p:txBody>
+          <a:bodyPr anchor="ctr"/>
+          <a:lstStyle/>
+          <a:p>
+            <a:r>
+              <a:rPr lang="en-US" altLang="zh-CN" sz="2000" dirty="0">
+                <a:ea typeface="宋体" charset="-122"/>
+              </a:rPr>
+              <a:t>Solution Concept</a:t>
+            </a:r>
+          </a:p>
+        </p:txBody>
+      </p:sp>
+      <p:sp>
+        <p:nvSpPr>
+          <p:cNvPr id="289809" name="AutoShape 17"/>
+          <p:cNvSpPr>
+            <a:spLocks noChangeArrowheads="1"/>
+          </p:cNvSpPr>
+          <p:nvPr/>
+        </p:nvSpPr>
+        <p:spPr bwMode="auto">
+          <a:xfrm>
+            <a:off x="4686300" y="2667000"/>
+            <a:ext cx="2895600" cy="457200"/>
+          </a:xfrm>
+          <a:prstGeom prst="roundRect">
+            <a:avLst>
+              <a:gd name="adj" fmla="val 4167"/>
+            </a:avLst>
+          </a:prstGeom>
+          <a:gradFill rotWithShape="1">
+            <a:gsLst>
+              <a:gs pos="0">
+                <a:srgbClr val="8DACD0"/>
+              </a:gs>
+              <a:gs pos="100000">
+                <a:srgbClr val="DEE7F1"/>
+              </a:gs>
+            </a:gsLst>
+            <a:lin ang="2700000" scaled="1"/>
+          </a:gradFill>
+          <a:ln w="9525">
+            <a:solidFill>
+              <a:srgbClr val="4D4D4D"/>
+            </a:solidFill>
+            <a:round/>
+            <a:headEnd/>
+            <a:tailEnd/>
+          </a:ln>
+          <a:effectLst>
+            <a:outerShdw dist="35921" dir="2700000" algn="ctr" rotWithShape="0">
+              <a:srgbClr val="AFAFAF"/>
+            </a:outerShdw>
+          </a:effectLst>
+        </p:spPr>
+        <p:txBody>
+          <a:bodyPr anchor="ctr"/>
+          <a:lstStyle/>
+          <a:p>
+            <a:r>
+              <a:rPr lang="en-US" altLang="zh-CN" sz="2000">
+                <a:ea typeface="宋体" charset="-122"/>
+              </a:rPr>
+              <a:t>Detailed Requirements</a:t>
+            </a:r>
+          </a:p>
+        </p:txBody>
+      </p:sp>
+      <p:sp>
+        <p:nvSpPr>
+          <p:cNvPr id="289810" name="AutoShape 18"/>
+          <p:cNvSpPr>
+            <a:spLocks noChangeArrowheads="1"/>
+          </p:cNvSpPr>
+          <p:nvPr/>
+        </p:nvSpPr>
+        <p:spPr bwMode="auto">
+          <a:xfrm>
+            <a:off x="4686300" y="3505200"/>
+            <a:ext cx="2895600" cy="457200"/>
+          </a:xfrm>
+          <a:prstGeom prst="roundRect">
+            <a:avLst>
+              <a:gd name="adj" fmla="val 4167"/>
+            </a:avLst>
+          </a:prstGeom>
+          <a:gradFill rotWithShape="1">
+            <a:gsLst>
+              <a:gs pos="0">
+                <a:srgbClr val="8DACD0"/>
+              </a:gs>
+              <a:gs pos="100000">
+                <a:srgbClr val="DEE7F1"/>
+              </a:gs>
+            </a:gsLst>
+            <a:lin ang="2700000" scaled="1"/>
+          </a:gradFill>
+          <a:ln w="9525">
+            <a:solidFill>
+              <a:srgbClr val="4D4D4D"/>
+            </a:solidFill>
+            <a:round/>
+            <a:headEnd/>
+            <a:tailEnd/>
+          </a:ln>
+          <a:effectLst>
+            <a:outerShdw dist="35921" dir="2700000" algn="ctr" rotWithShape="0">
+              <a:srgbClr val="AFAFAF"/>
+            </a:outerShdw>
+          </a:effectLst>
+        </p:spPr>
+        <p:txBody>
+          <a:bodyPr anchor="ctr"/>
+          <a:lstStyle/>
+          <a:p>
+            <a:r>
+              <a:rPr lang="en-US" altLang="zh-CN" sz="2000">
+                <a:ea typeface="宋体" charset="-122"/>
+              </a:rPr>
+              <a:t>Detailed Usage Scenarios</a:t>
+            </a:r>
+          </a:p>
+        </p:txBody>
+      </p:sp>
+      <p:sp>
+        <p:nvSpPr>
+          <p:cNvPr id="289811" name="AutoShape 19"/>
+          <p:cNvSpPr>
+            <a:spLocks noChangeArrowheads="1"/>
+          </p:cNvSpPr>
+          <p:nvPr/>
+        </p:nvSpPr>
+        <p:spPr bwMode="auto">
+          <a:xfrm>
+            <a:off x="4686300" y="4343400"/>
+            <a:ext cx="2895600" cy="457200"/>
+          </a:xfrm>
+          <a:prstGeom prst="roundRect">
+            <a:avLst>
+              <a:gd name="adj" fmla="val 4167"/>
+            </a:avLst>
+          </a:prstGeom>
+          <a:gradFill rotWithShape="1">
+            <a:gsLst>
+              <a:gs pos="0">
+                <a:srgbClr val="8DACD0"/>
+              </a:gs>
+              <a:gs pos="100000">
+                <a:srgbClr val="DEE7F1"/>
+              </a:gs>
+            </a:gsLst>
+            <a:lin ang="2700000" scaled="1"/>
+          </a:gradFill>
+          <a:ln w="9525">
+            <a:solidFill>
+              <a:srgbClr val="4D4D4D"/>
+            </a:solidFill>
+            <a:round/>
+            <a:headEnd/>
+            <a:tailEnd/>
+          </a:ln>
+          <a:effectLst>
+            <a:outerShdw dist="35921" dir="2700000" algn="ctr" rotWithShape="0">
+              <a:srgbClr val="AFAFAF"/>
+            </a:outerShdw>
+          </a:effectLst>
+        </p:spPr>
+        <p:txBody>
+          <a:bodyPr anchor="ctr"/>
+          <a:lstStyle/>
+          <a:p>
+            <a:r>
+              <a:rPr lang="en-US" altLang="zh-CN" sz="2000">
+                <a:ea typeface="宋体" charset="-122"/>
+              </a:rPr>
+              <a:t>Functional Specification</a:t>
+            </a:r>
+          </a:p>
+        </p:txBody>
+      </p:sp>
+      <p:sp>
+        <p:nvSpPr>
+          <p:cNvPr id="289813" name="Text Box 21"/>
+          <p:cNvSpPr txBox="1">
+            <a:spLocks noChangeArrowheads="1"/>
+          </p:cNvSpPr>
+          <p:nvPr/>
+        </p:nvSpPr>
+        <p:spPr bwMode="auto">
+          <a:xfrm>
+            <a:off x="5257800" y="5011738"/>
+            <a:ext cx="2362200" cy="1465262"/>
+          </a:xfrm>
+          <a:prstGeom prst="rect">
+            <a:avLst/>
+          </a:prstGeom>
+          <a:noFill/>
+          <a:ln>
+            <a:noFill/>
+          </a:ln>
+          <a:effectLst/>
+          <a:extLst>
+            <a:ext uri="{909E8E84-426E-40DD-AFC4-6F175D3DCCD1}">
+              <a14:hiddenFill xmlns:a14="http://schemas.microsoft.com/office/drawing/2010/main">
+                <a:solidFill>
+                  <a:schemeClr val="accent1"/>
+                </a:solidFill>
+              </a14:hiddenFill>
+            </a:ext>
+            <a:ext uri="{91240B29-F687-4F45-9708-019B960494DF}">
+              <a14:hiddenLine xmlns:a14="http://schemas.microsoft.com/office/drawing/2010/main" w="9525" algn="ctr">
+                <a:solidFill>
+                  <a:schemeClr val="tx1"/>
+                </a:solidFill>
+                <a:miter lim="800000"/>
+                <a:headEnd/>
+                <a:tailEnd/>
+              </a14:hiddenLine>
+            </a:ext>
+            <a:ext uri="{AF507438-7753-43E0-B8FC-AC1667EBCBE1}">
+              <a14:hiddenEffects xmlns:a14="http://schemas.microsoft.com/office/drawing/2010/main">
+                <a:effectLst>
+                  <a:outerShdw dist="35921" dir="2700000" algn="ctr" rotWithShape="0">
+                    <a:schemeClr val="bg2"/>
+                  </a:outerShdw>
+                </a:effectLst>
+              </a14:hiddenEffects>
+            </a:ext>
+          </a:extLst>
+        </p:spPr>
+        <p:txBody>
+          <a:bodyPr lIns="0" tIns="0" rIns="0" bIns="0"/>
+          <a:lstStyle>
+            <a:lvl1pPr marL="225425" indent="-225425" algn="l">
+              <a:defRPr>
+                <a:solidFill>
+                  <a:schemeClr val="tx1"/>
+                </a:solidFill>
+                <a:latin typeface="Arial" charset="0"/>
+              </a:defRPr>
+            </a:lvl1pPr>
+            <a:lvl2pPr marL="631825" indent="-174625" algn="l">
+              <a:defRPr>
+                <a:solidFill>
+                  <a:schemeClr val="tx1"/>
+                </a:solidFill>
+                <a:latin typeface="Arial" charset="0"/>
+              </a:defRPr>
+            </a:lvl2pPr>
+            <a:lvl3pPr marL="860425" indent="-6350" algn="l">
+              <a:defRPr>
+                <a:solidFill>
+                  <a:schemeClr val="tx1"/>
+                </a:solidFill>
+                <a:latin typeface="Arial" charset="0"/>
+              </a:defRPr>
+            </a:lvl3pPr>
+            <a:lvl4pPr marL="1089025" algn="l">
+              <a:defRPr>
+                <a:solidFill>
+                  <a:schemeClr val="tx1"/>
+                </a:solidFill>
+                <a:latin typeface="Arial" charset="0"/>
+              </a:defRPr>
+            </a:lvl4pPr>
+            <a:lvl5pPr marL="1312863" indent="-1588" algn="l">
+              <a:defRPr>
+                <a:solidFill>
+                  <a:schemeClr val="tx1"/>
+                </a:solidFill>
+                <a:latin typeface="Arial" charset="0"/>
+              </a:defRPr>
+            </a:lvl5pPr>
+            <a:lvl6pPr marL="1770063" indent="-1588" fontAlgn="base">
+              <a:spcBef>
+                <a:spcPct val="0"/>
+              </a:spcBef>
+              <a:spcAft>
+                <a:spcPct val="0"/>
+              </a:spcAft>
+              <a:defRPr>
+                <a:solidFill>
+                  <a:schemeClr val="tx1"/>
+                </a:solidFill>
+                <a:latin typeface="Arial" charset="0"/>
+              </a:defRPr>
+            </a:lvl6pPr>
+            <a:lvl7pPr marL="2227263" indent="-1588" fontAlgn="base">
+              <a:spcBef>
+                <a:spcPct val="0"/>
+              </a:spcBef>
+              <a:spcAft>
+                <a:spcPct val="0"/>
+              </a:spcAft>
+              <a:defRPr>
+                <a:solidFill>
+                  <a:schemeClr val="tx1"/>
+                </a:solidFill>
+                <a:latin typeface="Arial" charset="0"/>
+              </a:defRPr>
+            </a:lvl7pPr>
+            <a:lvl8pPr marL="2684463" indent="-1588" fontAlgn="base">
+              <a:spcBef>
+                <a:spcPct val="0"/>
+              </a:spcBef>
+              <a:spcAft>
+                <a:spcPct val="0"/>
+              </a:spcAft>
+              <a:defRPr>
+                <a:solidFill>
+                  <a:schemeClr val="tx1"/>
+                </a:solidFill>
+                <a:latin typeface="Arial" charset="0"/>
+              </a:defRPr>
+            </a:lvl8pPr>
+            <a:lvl9pPr marL="3141663" indent="-1588" fontAlgn="base">
+              <a:spcBef>
+                <a:spcPct val="0"/>
+              </a:spcBef>
+              <a:spcAft>
+                <a:spcPct val="0"/>
+              </a:spcAft>
+              <a:defRPr>
+                <a:solidFill>
+                  <a:schemeClr val="tx1"/>
+                </a:solidFill>
+                <a:latin typeface="Arial" charset="0"/>
+              </a:defRPr>
+            </a:lvl9pPr>
+          </a:lstStyle>
+          <a:p>
+            <a:pPr>
+              <a:lnSpc>
+                <a:spcPct val="80000"/>
+              </a:lnSpc>
+              <a:spcBef>
+                <a:spcPct val="40000"/>
+              </a:spcBef>
+              <a:buClr>
+                <a:srgbClr val="8DACD0"/>
+              </a:buClr>
+              <a:buSzPct val="70000"/>
+              <a:buFont typeface="Wingdings" pitchFamily="2" charset="2"/>
+              <a:buNone/>
+            </a:pPr>
+            <a:r>
+              <a:rPr lang="en-US" altLang="zh-CN">
+                <a:latin typeface="Arial Narrow" pitchFamily="34" charset="0"/>
+                <a:ea typeface="宋体" charset="-122"/>
+              </a:rPr>
+              <a:t>Design Documents</a:t>
+            </a:r>
+          </a:p>
+          <a:p>
+            <a:pPr>
+              <a:lnSpc>
+                <a:spcPct val="80000"/>
+              </a:lnSpc>
+              <a:spcBef>
+                <a:spcPct val="40000"/>
+              </a:spcBef>
+              <a:buClr>
+                <a:srgbClr val="8DACD0"/>
+              </a:buClr>
+              <a:buSzPct val="70000"/>
+              <a:buFont typeface="Wingdings" pitchFamily="2" charset="2"/>
+              <a:buChar char="l"/>
+            </a:pPr>
+            <a:r>
+              <a:rPr lang="en-US" altLang="zh-CN">
+                <a:latin typeface="Arial Narrow" pitchFamily="34" charset="0"/>
+                <a:ea typeface="宋体" charset="-122"/>
+              </a:rPr>
+              <a:t>Conceptual</a:t>
+            </a:r>
+          </a:p>
+          <a:p>
+            <a:pPr>
+              <a:lnSpc>
+                <a:spcPct val="80000"/>
+              </a:lnSpc>
+              <a:spcBef>
+                <a:spcPct val="40000"/>
+              </a:spcBef>
+              <a:buClr>
+                <a:srgbClr val="8DACD0"/>
+              </a:buClr>
+              <a:buSzPct val="70000"/>
+              <a:buFont typeface="Wingdings" pitchFamily="2" charset="2"/>
+              <a:buChar char="l"/>
+            </a:pPr>
+            <a:r>
+              <a:rPr lang="en-US" altLang="zh-CN">
+                <a:latin typeface="Arial Narrow" pitchFamily="34" charset="0"/>
+                <a:ea typeface="宋体" charset="-122"/>
+              </a:rPr>
+              <a:t>Logical</a:t>
+            </a:r>
+          </a:p>
+          <a:p>
+            <a:pPr>
+              <a:lnSpc>
+                <a:spcPct val="80000"/>
+              </a:lnSpc>
+              <a:spcBef>
+                <a:spcPct val="40000"/>
+              </a:spcBef>
+              <a:buClr>
+                <a:srgbClr val="8DACD0"/>
+              </a:buClr>
+              <a:buSzPct val="70000"/>
+              <a:buFont typeface="Wingdings" pitchFamily="2" charset="2"/>
+              <a:buChar char="l"/>
+            </a:pPr>
+            <a:r>
+              <a:rPr lang="en-US" altLang="zh-CN">
+                <a:latin typeface="Arial Narrow" pitchFamily="34" charset="0"/>
+                <a:ea typeface="宋体" charset="-122"/>
+              </a:rPr>
+              <a:t>Physical</a:t>
+            </a:r>
+          </a:p>
+        </p:txBody>
+      </p:sp>
+      <p:sp>
+        <p:nvSpPr>
+          <p:cNvPr id="289819" name="Freeform 27"/>
+          <p:cNvSpPr>
+            <a:spLocks/>
+          </p:cNvSpPr>
+          <p:nvPr/>
+        </p:nvSpPr>
+        <p:spPr bwMode="auto">
+          <a:xfrm>
+            <a:off x="3886200" y="2667000"/>
+            <a:ext cx="882650" cy="457200"/>
+          </a:xfrm>
+          <a:custGeom>
+            <a:avLst/>
+            <a:gdLst>
+              <a:gd name="T0" fmla="*/ 221 w 358"/>
+              <a:gd name="T1" fmla="*/ 83 h 288"/>
+              <a:gd name="T2" fmla="*/ 219 w 358"/>
+              <a:gd name="T3" fmla="*/ 43 h 288"/>
+              <a:gd name="T4" fmla="*/ 217 w 358"/>
+              <a:gd name="T5" fmla="*/ 0 h 288"/>
+              <a:gd name="T6" fmla="*/ 288 w 358"/>
+              <a:gd name="T7" fmla="*/ 75 h 288"/>
+              <a:gd name="T8" fmla="*/ 336 w 358"/>
+              <a:gd name="T9" fmla="*/ 127 h 288"/>
+              <a:gd name="T10" fmla="*/ 358 w 358"/>
+              <a:gd name="T11" fmla="*/ 151 h 288"/>
+              <a:gd name="T12" fmla="*/ 352 w 358"/>
+              <a:gd name="T13" fmla="*/ 156 h 288"/>
+              <a:gd name="T14" fmla="*/ 336 w 358"/>
+              <a:gd name="T15" fmla="*/ 173 h 288"/>
+              <a:gd name="T16" fmla="*/ 287 w 358"/>
+              <a:gd name="T17" fmla="*/ 219 h 288"/>
+              <a:gd name="T18" fmla="*/ 216 w 358"/>
+              <a:gd name="T19" fmla="*/ 288 h 288"/>
+              <a:gd name="T20" fmla="*/ 222 w 358"/>
+              <a:gd name="T21" fmla="*/ 208 h 288"/>
+              <a:gd name="T22" fmla="*/ 0 w 358"/>
+              <a:gd name="T23" fmla="*/ 144 h 288"/>
+              <a:gd name="T24" fmla="*/ 221 w 358"/>
+              <a:gd name="T25" fmla="*/ 83 h 288"/>
+            </a:gdLst>
+            <a:ahLst/>
+            <a:cxnLst>
+              <a:cxn ang="0">
+                <a:pos x="T0" y="T1"/>
+              </a:cxn>
+              <a:cxn ang="0">
+                <a:pos x="T2" y="T3"/>
+              </a:cxn>
+              <a:cxn ang="0">
+                <a:pos x="T4" y="T5"/>
+              </a:cxn>
+              <a:cxn ang="0">
+                <a:pos x="T6" y="T7"/>
+              </a:cxn>
+              <a:cxn ang="0">
+                <a:pos x="T8" y="T9"/>
+              </a:cxn>
+              <a:cxn ang="0">
+                <a:pos x="T10" y="T11"/>
+              </a:cxn>
+              <a:cxn ang="0">
+                <a:pos x="T12" y="T13"/>
+              </a:cxn>
+              <a:cxn ang="0">
+                <a:pos x="T14" y="T15"/>
+              </a:cxn>
+              <a:cxn ang="0">
+                <a:pos x="T16" y="T17"/>
+              </a:cxn>
+              <a:cxn ang="0">
+                <a:pos x="T18" y="T19"/>
+              </a:cxn>
+              <a:cxn ang="0">
+                <a:pos x="T20" y="T21"/>
+              </a:cxn>
+              <a:cxn ang="0">
+                <a:pos x="T22" y="T23"/>
+              </a:cxn>
+              <a:cxn ang="0">
+                <a:pos x="T24" y="T25"/>
+              </a:cxn>
+            </a:cxnLst>
+            <a:rect l="0" t="0" r="r" b="b"/>
+            <a:pathLst>
+              <a:path w="358" h="288">
+                <a:moveTo>
+                  <a:pt x="221" y="83"/>
+                </a:moveTo>
+                <a:lnTo>
+                  <a:pt x="219" y="43"/>
+                </a:lnTo>
+                <a:lnTo>
+                  <a:pt x="217" y="0"/>
+                </a:lnTo>
+                <a:lnTo>
+                  <a:pt x="288" y="75"/>
+                </a:lnTo>
+                <a:lnTo>
+                  <a:pt x="336" y="127"/>
+                </a:lnTo>
+                <a:lnTo>
+                  <a:pt x="358" y="151"/>
+                </a:lnTo>
+                <a:lnTo>
+                  <a:pt x="352" y="156"/>
+                </a:lnTo>
+                <a:lnTo>
+                  <a:pt x="336" y="173"/>
+                </a:lnTo>
+                <a:lnTo>
+                  <a:pt x="287" y="219"/>
+                </a:lnTo>
+                <a:lnTo>
+                  <a:pt x="216" y="288"/>
+                </a:lnTo>
+                <a:lnTo>
+                  <a:pt x="222" y="208"/>
+                </a:lnTo>
+                <a:lnTo>
+                  <a:pt x="0" y="144"/>
+                </a:lnTo>
+                <a:lnTo>
+                  <a:pt x="221" y="83"/>
+                </a:lnTo>
+                <a:close/>
+              </a:path>
+            </a:pathLst>
+          </a:custGeom>
+          <a:solidFill>
+            <a:srgbClr val="FF0000">
+              <a:alpha val="75000"/>
+            </a:srgbClr>
+          </a:solidFill>
+          <a:ln>
+            <a:noFill/>
+          </a:ln>
+          <a:extLst>
+            <a:ext uri="{91240B29-F687-4F45-9708-019B960494DF}">
+              <a14:hiddenLine xmlns:a14="http://schemas.microsoft.com/office/drawing/2010/main" w="9525">
+                <a:solidFill>
+                  <a:srgbClr val="000000"/>
+                </a:solidFill>
+                <a:round/>
+                <a:headEnd/>
+                <a:tailEnd/>
+              </a14:hiddenLine>
+            </a:ext>
+          </a:extLst>
+        </p:spPr>
+        <p:txBody>
+          <a:bodyPr/>
+          <a:lstStyle/>
+          <a:p>
+            <a:endParaRPr lang="zh-CN" altLang="en-US"/>
+          </a:p>
+        </p:txBody>
+      </p:sp>
+      <p:sp>
+        <p:nvSpPr>
+          <p:cNvPr id="289820" name="Freeform 28"/>
+          <p:cNvSpPr>
+            <a:spLocks/>
+          </p:cNvSpPr>
+          <p:nvPr/>
+        </p:nvSpPr>
+        <p:spPr bwMode="auto">
+          <a:xfrm>
+            <a:off x="3917950" y="3505200"/>
+            <a:ext cx="882650" cy="457200"/>
+          </a:xfrm>
+          <a:custGeom>
+            <a:avLst/>
+            <a:gdLst>
+              <a:gd name="T0" fmla="*/ 221 w 358"/>
+              <a:gd name="T1" fmla="*/ 83 h 288"/>
+              <a:gd name="T2" fmla="*/ 219 w 358"/>
+              <a:gd name="T3" fmla="*/ 43 h 288"/>
+              <a:gd name="T4" fmla="*/ 217 w 358"/>
+              <a:gd name="T5" fmla="*/ 0 h 288"/>
+              <a:gd name="T6" fmla="*/ 288 w 358"/>
+              <a:gd name="T7" fmla="*/ 75 h 288"/>
+              <a:gd name="T8" fmla="*/ 336 w 358"/>
+              <a:gd name="T9" fmla="*/ 127 h 288"/>
+              <a:gd name="T10" fmla="*/ 358 w 358"/>
+              <a:gd name="T11" fmla="*/ 151 h 288"/>
+              <a:gd name="T12" fmla="*/ 352 w 358"/>
+              <a:gd name="T13" fmla="*/ 156 h 288"/>
+              <a:gd name="T14" fmla="*/ 336 w 358"/>
+              <a:gd name="T15" fmla="*/ 173 h 288"/>
+              <a:gd name="T16" fmla="*/ 287 w 358"/>
+              <a:gd name="T17" fmla="*/ 219 h 288"/>
+              <a:gd name="T18" fmla="*/ 216 w 358"/>
+              <a:gd name="T19" fmla="*/ 288 h 288"/>
+              <a:gd name="T20" fmla="*/ 222 w 358"/>
+              <a:gd name="T21" fmla="*/ 208 h 288"/>
+              <a:gd name="T22" fmla="*/ 0 w 358"/>
+              <a:gd name="T23" fmla="*/ 144 h 288"/>
+              <a:gd name="T24" fmla="*/ 221 w 358"/>
+              <a:gd name="T25" fmla="*/ 83 h 288"/>
+            </a:gdLst>
+            <a:ahLst/>
+            <a:cxnLst>
+              <a:cxn ang="0">
+                <a:pos x="T0" y="T1"/>
+              </a:cxn>
+              <a:cxn ang="0">
+                <a:pos x="T2" y="T3"/>
+              </a:cxn>
+              <a:cxn ang="0">
+                <a:pos x="T4" y="T5"/>
+              </a:cxn>
+              <a:cxn ang="0">
+                <a:pos x="T6" y="T7"/>
+              </a:cxn>
+              <a:cxn ang="0">
+                <a:pos x="T8" y="T9"/>
+              </a:cxn>
+              <a:cxn ang="0">
+                <a:pos x="T10" y="T11"/>
+              </a:cxn>
+              <a:cxn ang="0">
+                <a:pos x="T12" y="T13"/>
+              </a:cxn>
+              <a:cxn ang="0">
+                <a:pos x="T14" y="T15"/>
+              </a:cxn>
+              <a:cxn ang="0">
+                <a:pos x="T16" y="T17"/>
+              </a:cxn>
+              <a:cxn ang="0">
+                <a:pos x="T18" y="T19"/>
+              </a:cxn>
+              <a:cxn ang="0">
+                <a:pos x="T20" y="T21"/>
+              </a:cxn>
+              <a:cxn ang="0">
+                <a:pos x="T22" y="T23"/>
+              </a:cxn>
+              <a:cxn ang="0">
+                <a:pos x="T24" y="T25"/>
+              </a:cxn>
+            </a:cxnLst>
+            <a:rect l="0" t="0" r="r" b="b"/>
+            <a:pathLst>
+              <a:path w="358" h="288">
+                <a:moveTo>
+                  <a:pt x="221" y="83"/>
+                </a:moveTo>
+                <a:lnTo>
+                  <a:pt x="219" y="43"/>
+                </a:lnTo>
+                <a:lnTo>
+                  <a:pt x="217" y="0"/>
+                </a:lnTo>
+                <a:lnTo>
+                  <a:pt x="288" y="75"/>
+                </a:lnTo>
+                <a:lnTo>
+                  <a:pt x="336" y="127"/>
+                </a:lnTo>
+                <a:lnTo>
+                  <a:pt x="358" y="151"/>
+                </a:lnTo>
+                <a:lnTo>
+                  <a:pt x="352" y="156"/>
+                </a:lnTo>
+                <a:lnTo>
+                  <a:pt x="336" y="173"/>
+                </a:lnTo>
+                <a:lnTo>
+                  <a:pt x="287" y="219"/>
+                </a:lnTo>
+                <a:lnTo>
+                  <a:pt x="216" y="288"/>
+                </a:lnTo>
+                <a:lnTo>
+                  <a:pt x="222" y="208"/>
+                </a:lnTo>
+                <a:lnTo>
+                  <a:pt x="0" y="144"/>
+                </a:lnTo>
+                <a:lnTo>
+                  <a:pt x="221" y="83"/>
+                </a:lnTo>
+                <a:close/>
+              </a:path>
+            </a:pathLst>
+          </a:custGeom>
+          <a:solidFill>
+            <a:srgbClr val="FF0000">
+              <a:alpha val="75000"/>
+            </a:srgbClr>
+          </a:solidFill>
+          <a:ln>
+            <a:noFill/>
+          </a:ln>
+          <a:extLst>
+            <a:ext uri="{91240B29-F687-4F45-9708-019B960494DF}">
+              <a14:hiddenLine xmlns:a14="http://schemas.microsoft.com/office/drawing/2010/main" w="9525">
+                <a:solidFill>
+                  <a:srgbClr val="000000"/>
+                </a:solidFill>
+                <a:round/>
+                <a:headEnd/>
+                <a:tailEnd/>
+              </a14:hiddenLine>
+            </a:ext>
+          </a:extLst>
+        </p:spPr>
+        <p:txBody>
+          <a:bodyPr/>
+          <a:lstStyle/>
+          <a:p>
+            <a:endParaRPr lang="zh-CN" altLang="en-US"/>
+          </a:p>
+        </p:txBody>
+      </p:sp>
+      <p:sp>
+        <p:nvSpPr>
+          <p:cNvPr id="289821" name="Freeform 29"/>
+          <p:cNvSpPr>
+            <a:spLocks/>
+          </p:cNvSpPr>
+          <p:nvPr/>
+        </p:nvSpPr>
+        <p:spPr bwMode="auto">
+          <a:xfrm>
+            <a:off x="3949700" y="4343400"/>
+            <a:ext cx="882650" cy="457200"/>
+          </a:xfrm>
+          <a:custGeom>
+            <a:avLst/>
+            <a:gdLst>
+              <a:gd name="T0" fmla="*/ 221 w 358"/>
+              <a:gd name="T1" fmla="*/ 83 h 288"/>
+              <a:gd name="T2" fmla="*/ 219 w 358"/>
+              <a:gd name="T3" fmla="*/ 43 h 288"/>
+              <a:gd name="T4" fmla="*/ 217 w 358"/>
+              <a:gd name="T5" fmla="*/ 0 h 288"/>
+              <a:gd name="T6" fmla="*/ 288 w 358"/>
+              <a:gd name="T7" fmla="*/ 75 h 288"/>
+              <a:gd name="T8" fmla="*/ 336 w 358"/>
+              <a:gd name="T9" fmla="*/ 127 h 288"/>
+              <a:gd name="T10" fmla="*/ 358 w 358"/>
+              <a:gd name="T11" fmla="*/ 151 h 288"/>
+              <a:gd name="T12" fmla="*/ 352 w 358"/>
+              <a:gd name="T13" fmla="*/ 156 h 288"/>
+              <a:gd name="T14" fmla="*/ 336 w 358"/>
+              <a:gd name="T15" fmla="*/ 173 h 288"/>
+              <a:gd name="T16" fmla="*/ 287 w 358"/>
+              <a:gd name="T17" fmla="*/ 219 h 288"/>
+              <a:gd name="T18" fmla="*/ 216 w 358"/>
+              <a:gd name="T19" fmla="*/ 288 h 288"/>
+              <a:gd name="T20" fmla="*/ 222 w 358"/>
+              <a:gd name="T21" fmla="*/ 208 h 288"/>
+              <a:gd name="T22" fmla="*/ 0 w 358"/>
+              <a:gd name="T23" fmla="*/ 144 h 288"/>
+              <a:gd name="T24" fmla="*/ 221 w 358"/>
+              <a:gd name="T25" fmla="*/ 83 h 288"/>
+            </a:gdLst>
+            <a:ahLst/>
+            <a:cxnLst>
+              <a:cxn ang="0">
+                <a:pos x="T0" y="T1"/>
+              </a:cxn>
+              <a:cxn ang="0">
+                <a:pos x="T2" y="T3"/>
+              </a:cxn>
+              <a:cxn ang="0">
+                <a:pos x="T4" y="T5"/>
+              </a:cxn>
+              <a:cxn ang="0">
+                <a:pos x="T6" y="T7"/>
+              </a:cxn>
+              <a:cxn ang="0">
+                <a:pos x="T8" y="T9"/>
+              </a:cxn>
+              <a:cxn ang="0">
+                <a:pos x="T10" y="T11"/>
+              </a:cxn>
+              <a:cxn ang="0">
+                <a:pos x="T12" y="T13"/>
+              </a:cxn>
+              <a:cxn ang="0">
+                <a:pos x="T14" y="T15"/>
+              </a:cxn>
+              <a:cxn ang="0">
+                <a:pos x="T16" y="T17"/>
+              </a:cxn>
+              <a:cxn ang="0">
+                <a:pos x="T18" y="T19"/>
+              </a:cxn>
+              <a:cxn ang="0">
+                <a:pos x="T20" y="T21"/>
+              </a:cxn>
+              <a:cxn ang="0">
+                <a:pos x="T22" y="T23"/>
+              </a:cxn>
+              <a:cxn ang="0">
+                <a:pos x="T24" y="T25"/>
+              </a:cxn>
+            </a:cxnLst>
+            <a:rect l="0" t="0" r="r" b="b"/>
+            <a:pathLst>
+              <a:path w="358" h="288">
+                <a:moveTo>
+                  <a:pt x="221" y="83"/>
+                </a:moveTo>
+                <a:lnTo>
+                  <a:pt x="219" y="43"/>
+                </a:lnTo>
+                <a:lnTo>
+                  <a:pt x="217" y="0"/>
+                </a:lnTo>
+                <a:lnTo>
+                  <a:pt x="288" y="75"/>
+                </a:lnTo>
+                <a:lnTo>
+                  <a:pt x="336" y="127"/>
+                </a:lnTo>
+                <a:lnTo>
+                  <a:pt x="358" y="151"/>
+                </a:lnTo>
+                <a:lnTo>
+                  <a:pt x="352" y="156"/>
+                </a:lnTo>
+                <a:lnTo>
+                  <a:pt x="336" y="173"/>
+                </a:lnTo>
+                <a:lnTo>
+                  <a:pt x="287" y="219"/>
+                </a:lnTo>
+                <a:lnTo>
+                  <a:pt x="216" y="288"/>
+                </a:lnTo>
+                <a:lnTo>
+                  <a:pt x="222" y="208"/>
+                </a:lnTo>
+                <a:lnTo>
+                  <a:pt x="0" y="144"/>
+                </a:lnTo>
+                <a:lnTo>
+                  <a:pt x="221" y="83"/>
+                </a:lnTo>
+                <a:close/>
+              </a:path>
+            </a:pathLst>
+          </a:custGeom>
+          <a:solidFill>
+            <a:srgbClr val="FF0000">
+              <a:alpha val="75000"/>
+            </a:srgbClr>
+          </a:solidFill>
+          <a:ln>
+            <a:noFill/>
+          </a:ln>
+          <a:extLst>
+            <a:ext uri="{91240B29-F687-4F45-9708-019B960494DF}">
+              <a14:hiddenLine xmlns:a14="http://schemas.microsoft.com/office/drawing/2010/main" w="9525">
+                <a:solidFill>
+                  <a:srgbClr val="000000"/>
+                </a:solidFill>
+                <a:round/>
+                <a:headEnd/>
+                <a:tailEnd/>
+              </a14:hiddenLine>
+            </a:ext>
+          </a:extLst>
+        </p:spPr>
+        <p:txBody>
+          <a:bodyPr/>
+          <a:lstStyle/>
+          <a:p>
+            <a:endParaRPr lang="zh-CN" altLang="en-US"/>
+          </a:p>
+        </p:txBody>
+      </p:sp>
+      <p:sp>
+        <p:nvSpPr>
+          <p:cNvPr id="289822" name="Freeform 30"/>
+          <p:cNvSpPr>
+            <a:spLocks/>
+          </p:cNvSpPr>
+          <p:nvPr/>
+        </p:nvSpPr>
+        <p:spPr bwMode="auto">
+          <a:xfrm>
+            <a:off x="2362200" y="3048000"/>
+            <a:ext cx="457200" cy="584200"/>
+          </a:xfrm>
+          <a:custGeom>
+            <a:avLst/>
+            <a:gdLst>
+              <a:gd name="T0" fmla="*/ 83 w 288"/>
+              <a:gd name="T1" fmla="*/ 154 h 368"/>
+              <a:gd name="T2" fmla="*/ 43 w 288"/>
+              <a:gd name="T3" fmla="*/ 151 h 368"/>
+              <a:gd name="T4" fmla="*/ 0 w 288"/>
+              <a:gd name="T5" fmla="*/ 149 h 368"/>
+              <a:gd name="T6" fmla="*/ 75 w 288"/>
+              <a:gd name="T7" fmla="*/ 259 h 368"/>
+              <a:gd name="T8" fmla="*/ 127 w 288"/>
+              <a:gd name="T9" fmla="*/ 334 h 368"/>
+              <a:gd name="T10" fmla="*/ 151 w 288"/>
+              <a:gd name="T11" fmla="*/ 368 h 368"/>
+              <a:gd name="T12" fmla="*/ 156 w 288"/>
+              <a:gd name="T13" fmla="*/ 359 h 368"/>
+              <a:gd name="T14" fmla="*/ 173 w 288"/>
+              <a:gd name="T15" fmla="*/ 334 h 368"/>
+              <a:gd name="T16" fmla="*/ 219 w 288"/>
+              <a:gd name="T17" fmla="*/ 258 h 368"/>
+              <a:gd name="T18" fmla="*/ 288 w 288"/>
+              <a:gd name="T19" fmla="*/ 146 h 368"/>
+              <a:gd name="T20" fmla="*/ 208 w 288"/>
+              <a:gd name="T21" fmla="*/ 156 h 368"/>
+              <a:gd name="T22" fmla="*/ 144 w 288"/>
+              <a:gd name="T23" fmla="*/ 0 h 368"/>
+              <a:gd name="T24" fmla="*/ 83 w 288"/>
+              <a:gd name="T25" fmla="*/ 154 h 368"/>
+            </a:gdLst>
+            <a:ahLst/>
+            <a:cxnLst>
+              <a:cxn ang="0">
+                <a:pos x="T0" y="T1"/>
+              </a:cxn>
+              <a:cxn ang="0">
+                <a:pos x="T2" y="T3"/>
+              </a:cxn>
+              <a:cxn ang="0">
+                <a:pos x="T4" y="T5"/>
+              </a:cxn>
+              <a:cxn ang="0">
+                <a:pos x="T6" y="T7"/>
+              </a:cxn>
+              <a:cxn ang="0">
+                <a:pos x="T8" y="T9"/>
+              </a:cxn>
+              <a:cxn ang="0">
+                <a:pos x="T10" y="T11"/>
+              </a:cxn>
+              <a:cxn ang="0">
+                <a:pos x="T12" y="T13"/>
+              </a:cxn>
+              <a:cxn ang="0">
+                <a:pos x="T14" y="T15"/>
+              </a:cxn>
+              <a:cxn ang="0">
+                <a:pos x="T16" y="T17"/>
+              </a:cxn>
+              <a:cxn ang="0">
+                <a:pos x="T18" y="T19"/>
+              </a:cxn>
+              <a:cxn ang="0">
+                <a:pos x="T20" y="T21"/>
+              </a:cxn>
+              <a:cxn ang="0">
+                <a:pos x="T22" y="T23"/>
+              </a:cxn>
+              <a:cxn ang="0">
+                <a:pos x="T24" y="T25"/>
+              </a:cxn>
+            </a:cxnLst>
+            <a:rect l="0" t="0" r="r" b="b"/>
+            <a:pathLst>
+              <a:path w="288" h="368">
+                <a:moveTo>
+                  <a:pt x="83" y="154"/>
+                </a:moveTo>
+                <a:lnTo>
+                  <a:pt x="43" y="151"/>
+                </a:lnTo>
+                <a:lnTo>
+                  <a:pt x="0" y="149"/>
+                </a:lnTo>
+                <a:lnTo>
+                  <a:pt x="75" y="259"/>
+                </a:lnTo>
+                <a:lnTo>
+                  <a:pt x="127" y="334"/>
+                </a:lnTo>
+                <a:lnTo>
+                  <a:pt x="151" y="368"/>
+                </a:lnTo>
+                <a:lnTo>
+                  <a:pt x="156" y="359"/>
+                </a:lnTo>
+                <a:lnTo>
+                  <a:pt x="173" y="334"/>
+                </a:lnTo>
+                <a:lnTo>
+                  <a:pt x="219" y="258"/>
+                </a:lnTo>
+                <a:lnTo>
+                  <a:pt x="288" y="146"/>
+                </a:lnTo>
+                <a:lnTo>
+                  <a:pt x="208" y="156"/>
+                </a:lnTo>
+                <a:lnTo>
+                  <a:pt x="144" y="0"/>
+                </a:lnTo>
+                <a:lnTo>
+                  <a:pt x="83" y="154"/>
+                </a:lnTo>
+                <a:close/>
+              </a:path>
+            </a:pathLst>
+          </a:custGeom>
+          <a:solidFill>
+            <a:srgbClr val="FF0000">
+              <a:alpha val="75000"/>
+            </a:srgbClr>
+          </a:solidFill>
+          <a:ln>
+            <a:noFill/>
+          </a:ln>
+          <a:extLst>
+            <a:ext uri="{91240B29-F687-4F45-9708-019B960494DF}">
+              <a14:hiddenLine xmlns:a14="http://schemas.microsoft.com/office/drawing/2010/main" w="9525">
+                <a:solidFill>
+                  <a:srgbClr val="000000"/>
+                </a:solidFill>
+                <a:round/>
+                <a:headEnd/>
+                <a:tailEnd/>
+              </a14:hiddenLine>
+            </a:ext>
+          </a:extLst>
+        </p:spPr>
+        <p:txBody>
+          <a:bodyPr/>
+          <a:lstStyle/>
+          <a:p>
+            <a:endParaRPr lang="zh-CN" altLang="en-US"/>
+          </a:p>
+        </p:txBody>
+      </p:sp>
+      <p:sp>
+        <p:nvSpPr>
+          <p:cNvPr id="289823" name="Freeform 31"/>
+          <p:cNvSpPr>
+            <a:spLocks/>
+          </p:cNvSpPr>
+          <p:nvPr/>
+        </p:nvSpPr>
+        <p:spPr bwMode="auto">
+          <a:xfrm>
+            <a:off x="2362200" y="3886200"/>
+            <a:ext cx="457200" cy="584200"/>
+          </a:xfrm>
+          <a:custGeom>
+            <a:avLst/>
+            <a:gdLst>
+              <a:gd name="T0" fmla="*/ 83 w 288"/>
+              <a:gd name="T1" fmla="*/ 154 h 368"/>
+              <a:gd name="T2" fmla="*/ 43 w 288"/>
+              <a:gd name="T3" fmla="*/ 151 h 368"/>
+              <a:gd name="T4" fmla="*/ 0 w 288"/>
+              <a:gd name="T5" fmla="*/ 149 h 368"/>
+              <a:gd name="T6" fmla="*/ 75 w 288"/>
+              <a:gd name="T7" fmla="*/ 259 h 368"/>
+              <a:gd name="T8" fmla="*/ 127 w 288"/>
+              <a:gd name="T9" fmla="*/ 334 h 368"/>
+              <a:gd name="T10" fmla="*/ 151 w 288"/>
+              <a:gd name="T11" fmla="*/ 368 h 368"/>
+              <a:gd name="T12" fmla="*/ 156 w 288"/>
+              <a:gd name="T13" fmla="*/ 359 h 368"/>
+              <a:gd name="T14" fmla="*/ 173 w 288"/>
+              <a:gd name="T15" fmla="*/ 334 h 368"/>
+              <a:gd name="T16" fmla="*/ 219 w 288"/>
+              <a:gd name="T17" fmla="*/ 258 h 368"/>
+              <a:gd name="T18" fmla="*/ 288 w 288"/>
+              <a:gd name="T19" fmla="*/ 146 h 368"/>
+              <a:gd name="T20" fmla="*/ 208 w 288"/>
+              <a:gd name="T21" fmla="*/ 156 h 368"/>
+              <a:gd name="T22" fmla="*/ 144 w 288"/>
+              <a:gd name="T23" fmla="*/ 0 h 368"/>
+              <a:gd name="T24" fmla="*/ 83 w 288"/>
+              <a:gd name="T25" fmla="*/ 154 h 368"/>
+            </a:gdLst>
+            <a:ahLst/>
+            <a:cxnLst>
+              <a:cxn ang="0">
+                <a:pos x="T0" y="T1"/>
+              </a:cxn>
+              <a:cxn ang="0">
+                <a:pos x="T2" y="T3"/>
+              </a:cxn>
+              <a:cxn ang="0">
+                <a:pos x="T4" y="T5"/>
+              </a:cxn>
+              <a:cxn ang="0">
+                <a:pos x="T6" y="T7"/>
+              </a:cxn>
+              <a:cxn ang="0">
+                <a:pos x="T8" y="T9"/>
+              </a:cxn>
+              <a:cxn ang="0">
+                <a:pos x="T10" y="T11"/>
+              </a:cxn>
+              <a:cxn ang="0">
+                <a:pos x="T12" y="T13"/>
+              </a:cxn>
+              <a:cxn ang="0">
+                <a:pos x="T14" y="T15"/>
+              </a:cxn>
+              <a:cxn ang="0">
+                <a:pos x="T16" y="T17"/>
+              </a:cxn>
+              <a:cxn ang="0">
+                <a:pos x="T18" y="T19"/>
+              </a:cxn>
+              <a:cxn ang="0">
+                <a:pos x="T20" y="T21"/>
+              </a:cxn>
+              <a:cxn ang="0">
+                <a:pos x="T22" y="T23"/>
+              </a:cxn>
+              <a:cxn ang="0">
+                <a:pos x="T24" y="T25"/>
+              </a:cxn>
+            </a:cxnLst>
+            <a:rect l="0" t="0" r="r" b="b"/>
+            <a:pathLst>
+              <a:path w="288" h="368">
+                <a:moveTo>
+                  <a:pt x="83" y="154"/>
+                </a:moveTo>
+                <a:lnTo>
+                  <a:pt x="43" y="151"/>
+                </a:lnTo>
+                <a:lnTo>
+                  <a:pt x="0" y="149"/>
+                </a:lnTo>
+                <a:lnTo>
+                  <a:pt x="75" y="259"/>
+                </a:lnTo>
+                <a:lnTo>
+                  <a:pt x="127" y="334"/>
+                </a:lnTo>
+                <a:lnTo>
+                  <a:pt x="151" y="368"/>
+                </a:lnTo>
+                <a:lnTo>
+                  <a:pt x="156" y="359"/>
+                </a:lnTo>
+                <a:lnTo>
+                  <a:pt x="173" y="334"/>
+                </a:lnTo>
+                <a:lnTo>
+                  <a:pt x="219" y="258"/>
+                </a:lnTo>
+                <a:lnTo>
+                  <a:pt x="288" y="146"/>
+                </a:lnTo>
+                <a:lnTo>
+                  <a:pt x="208" y="156"/>
+                </a:lnTo>
+                <a:lnTo>
+                  <a:pt x="144" y="0"/>
+                </a:lnTo>
+                <a:lnTo>
+                  <a:pt x="83" y="154"/>
+                </a:lnTo>
+                <a:close/>
+              </a:path>
+            </a:pathLst>
+          </a:custGeom>
+          <a:solidFill>
+            <a:srgbClr val="FF0000">
+              <a:alpha val="75000"/>
+            </a:srgbClr>
+          </a:solidFill>
+          <a:ln>
+            <a:noFill/>
+          </a:ln>
+          <a:extLst>
+            <a:ext uri="{91240B29-F687-4F45-9708-019B960494DF}">
+              <a14:hiddenLine xmlns:a14="http://schemas.microsoft.com/office/drawing/2010/main" w="9525">
+                <a:solidFill>
+                  <a:srgbClr val="000000"/>
+                </a:solidFill>
+                <a:round/>
+                <a:headEnd/>
+                <a:tailEnd/>
+              </a14:hiddenLine>
+            </a:ext>
+          </a:extLst>
+        </p:spPr>
+        <p:txBody>
+          <a:bodyPr/>
+          <a:lstStyle/>
+          <a:p>
+            <a:endParaRPr lang="zh-CN" altLang="en-US"/>
+          </a:p>
+        </p:txBody>
+      </p:sp>
+      <p:sp>
+        <p:nvSpPr>
+          <p:cNvPr id="289824" name="Freeform 32"/>
+          <p:cNvSpPr>
+            <a:spLocks/>
+          </p:cNvSpPr>
+          <p:nvPr/>
+        </p:nvSpPr>
+        <p:spPr bwMode="auto">
+          <a:xfrm>
+            <a:off x="5867400" y="3048000"/>
+            <a:ext cx="457200" cy="584200"/>
+          </a:xfrm>
+          <a:custGeom>
+            <a:avLst/>
+            <a:gdLst>
+              <a:gd name="T0" fmla="*/ 83 w 288"/>
+              <a:gd name="T1" fmla="*/ 154 h 368"/>
+              <a:gd name="T2" fmla="*/ 43 w 288"/>
+              <a:gd name="T3" fmla="*/ 151 h 368"/>
+              <a:gd name="T4" fmla="*/ 0 w 288"/>
+              <a:gd name="T5" fmla="*/ 149 h 368"/>
+              <a:gd name="T6" fmla="*/ 75 w 288"/>
+              <a:gd name="T7" fmla="*/ 259 h 368"/>
+              <a:gd name="T8" fmla="*/ 127 w 288"/>
+              <a:gd name="T9" fmla="*/ 334 h 368"/>
+              <a:gd name="T10" fmla="*/ 151 w 288"/>
+              <a:gd name="T11" fmla="*/ 368 h 368"/>
+              <a:gd name="T12" fmla="*/ 156 w 288"/>
+              <a:gd name="T13" fmla="*/ 359 h 368"/>
+              <a:gd name="T14" fmla="*/ 173 w 288"/>
+              <a:gd name="T15" fmla="*/ 334 h 368"/>
+              <a:gd name="T16" fmla="*/ 219 w 288"/>
+              <a:gd name="T17" fmla="*/ 258 h 368"/>
+              <a:gd name="T18" fmla="*/ 288 w 288"/>
+              <a:gd name="T19" fmla="*/ 146 h 368"/>
+              <a:gd name="T20" fmla="*/ 208 w 288"/>
+              <a:gd name="T21" fmla="*/ 156 h 368"/>
+              <a:gd name="T22" fmla="*/ 144 w 288"/>
+              <a:gd name="T23" fmla="*/ 0 h 368"/>
+              <a:gd name="T24" fmla="*/ 83 w 288"/>
+              <a:gd name="T25" fmla="*/ 154 h 368"/>
+            </a:gdLst>
+            <a:ahLst/>
+            <a:cxnLst>
+              <a:cxn ang="0">
+                <a:pos x="T0" y="T1"/>
+              </a:cxn>
+              <a:cxn ang="0">
+                <a:pos x="T2" y="T3"/>
+              </a:cxn>
+              <a:cxn ang="0">
+                <a:pos x="T4" y="T5"/>
+              </a:cxn>
+              <a:cxn ang="0">
+                <a:pos x="T6" y="T7"/>
+              </a:cxn>
+              <a:cxn ang="0">
+                <a:pos x="T8" y="T9"/>
+              </a:cxn>
+              <a:cxn ang="0">
+                <a:pos x="T10" y="T11"/>
+              </a:cxn>
+              <a:cxn ang="0">
+                <a:pos x="T12" y="T13"/>
+              </a:cxn>
+              <a:cxn ang="0">
+                <a:pos x="T14" y="T15"/>
+              </a:cxn>
+              <a:cxn ang="0">
+                <a:pos x="T16" y="T17"/>
+              </a:cxn>
+              <a:cxn ang="0">
+                <a:pos x="T18" y="T19"/>
+              </a:cxn>
+              <a:cxn ang="0">
+                <a:pos x="T20" y="T21"/>
+              </a:cxn>
+              <a:cxn ang="0">
+                <a:pos x="T22" y="T23"/>
+              </a:cxn>
+              <a:cxn ang="0">
+                <a:pos x="T24" y="T25"/>
+              </a:cxn>
+            </a:cxnLst>
+            <a:rect l="0" t="0" r="r" b="b"/>
+            <a:pathLst>
+              <a:path w="288" h="368">
+                <a:moveTo>
+                  <a:pt x="83" y="154"/>
+                </a:moveTo>
+                <a:lnTo>
+                  <a:pt x="43" y="151"/>
+                </a:lnTo>
+                <a:lnTo>
+                  <a:pt x="0" y="149"/>
+                </a:lnTo>
+                <a:lnTo>
+                  <a:pt x="75" y="259"/>
+                </a:lnTo>
+                <a:lnTo>
+                  <a:pt x="127" y="334"/>
+                </a:lnTo>
+                <a:lnTo>
+                  <a:pt x="151" y="368"/>
+                </a:lnTo>
+                <a:lnTo>
+                  <a:pt x="156" y="359"/>
+                </a:lnTo>
+                <a:lnTo>
+                  <a:pt x="173" y="334"/>
+                </a:lnTo>
+                <a:lnTo>
+                  <a:pt x="219" y="258"/>
+                </a:lnTo>
+                <a:lnTo>
+                  <a:pt x="288" y="146"/>
+                </a:lnTo>
+                <a:lnTo>
+                  <a:pt x="208" y="156"/>
+                </a:lnTo>
+                <a:lnTo>
+                  <a:pt x="144" y="0"/>
+                </a:lnTo>
+                <a:lnTo>
+                  <a:pt x="83" y="154"/>
+                </a:lnTo>
+                <a:close/>
+              </a:path>
+            </a:pathLst>
+          </a:custGeom>
+          <a:solidFill>
+            <a:srgbClr val="FF0000">
+              <a:alpha val="75000"/>
+            </a:srgbClr>
+          </a:solidFill>
+          <a:ln>
+            <a:noFill/>
+          </a:ln>
+          <a:extLst>
+            <a:ext uri="{91240B29-F687-4F45-9708-019B960494DF}">
+              <a14:hiddenLine xmlns:a14="http://schemas.microsoft.com/office/drawing/2010/main" w="9525">
+                <a:solidFill>
+                  <a:srgbClr val="000000"/>
+                </a:solidFill>
+                <a:round/>
+                <a:headEnd/>
+                <a:tailEnd/>
+              </a14:hiddenLine>
+            </a:ext>
+          </a:extLst>
+        </p:spPr>
+        <p:txBody>
+          <a:bodyPr/>
+          <a:lstStyle/>
+          <a:p>
+            <a:endParaRPr lang="zh-CN" altLang="en-US"/>
+          </a:p>
+        </p:txBody>
+      </p:sp>
+      <p:sp>
+        <p:nvSpPr>
+          <p:cNvPr id="289825" name="Freeform 33"/>
+          <p:cNvSpPr>
+            <a:spLocks/>
+          </p:cNvSpPr>
+          <p:nvPr/>
+        </p:nvSpPr>
+        <p:spPr bwMode="auto">
+          <a:xfrm>
+            <a:off x="5867400" y="3886200"/>
+            <a:ext cx="457200" cy="584200"/>
+          </a:xfrm>
+          <a:custGeom>
+            <a:avLst/>
+            <a:gdLst>
+              <a:gd name="T0" fmla="*/ 83 w 288"/>
+              <a:gd name="T1" fmla="*/ 154 h 368"/>
+              <a:gd name="T2" fmla="*/ 43 w 288"/>
+              <a:gd name="T3" fmla="*/ 151 h 368"/>
+              <a:gd name="T4" fmla="*/ 0 w 288"/>
+              <a:gd name="T5" fmla="*/ 149 h 368"/>
+              <a:gd name="T6" fmla="*/ 75 w 288"/>
+              <a:gd name="T7" fmla="*/ 259 h 368"/>
+              <a:gd name="T8" fmla="*/ 127 w 288"/>
+              <a:gd name="T9" fmla="*/ 334 h 368"/>
+              <a:gd name="T10" fmla="*/ 151 w 288"/>
+              <a:gd name="T11" fmla="*/ 368 h 368"/>
+              <a:gd name="T12" fmla="*/ 156 w 288"/>
+              <a:gd name="T13" fmla="*/ 359 h 368"/>
+              <a:gd name="T14" fmla="*/ 173 w 288"/>
+              <a:gd name="T15" fmla="*/ 334 h 368"/>
+              <a:gd name="T16" fmla="*/ 219 w 288"/>
+              <a:gd name="T17" fmla="*/ 258 h 368"/>
+              <a:gd name="T18" fmla="*/ 288 w 288"/>
+              <a:gd name="T19" fmla="*/ 146 h 368"/>
+              <a:gd name="T20" fmla="*/ 208 w 288"/>
+              <a:gd name="T21" fmla="*/ 156 h 368"/>
+              <a:gd name="T22" fmla="*/ 144 w 288"/>
+              <a:gd name="T23" fmla="*/ 0 h 368"/>
+              <a:gd name="T24" fmla="*/ 83 w 288"/>
+              <a:gd name="T25" fmla="*/ 154 h 368"/>
+            </a:gdLst>
+            <a:ahLst/>
+            <a:cxnLst>
+              <a:cxn ang="0">
+                <a:pos x="T0" y="T1"/>
+              </a:cxn>
+              <a:cxn ang="0">
+                <a:pos x="T2" y="T3"/>
+              </a:cxn>
+              <a:cxn ang="0">
+                <a:pos x="T4" y="T5"/>
+              </a:cxn>
+              <a:cxn ang="0">
+                <a:pos x="T6" y="T7"/>
+              </a:cxn>
+              <a:cxn ang="0">
+                <a:pos x="T8" y="T9"/>
+              </a:cxn>
+              <a:cxn ang="0">
+                <a:pos x="T10" y="T11"/>
+              </a:cxn>
+              <a:cxn ang="0">
+                <a:pos x="T12" y="T13"/>
+              </a:cxn>
+              <a:cxn ang="0">
+                <a:pos x="T14" y="T15"/>
+              </a:cxn>
+              <a:cxn ang="0">
+                <a:pos x="T16" y="T17"/>
+              </a:cxn>
+              <a:cxn ang="0">
+                <a:pos x="T18" y="T19"/>
+              </a:cxn>
+              <a:cxn ang="0">
+                <a:pos x="T20" y="T21"/>
+              </a:cxn>
+              <a:cxn ang="0">
+                <a:pos x="T22" y="T23"/>
+              </a:cxn>
+              <a:cxn ang="0">
+                <a:pos x="T24" y="T25"/>
+              </a:cxn>
+            </a:cxnLst>
+            <a:rect l="0" t="0" r="r" b="b"/>
+            <a:pathLst>
+              <a:path w="288" h="368">
+                <a:moveTo>
+                  <a:pt x="83" y="154"/>
+                </a:moveTo>
+                <a:lnTo>
+                  <a:pt x="43" y="151"/>
+                </a:lnTo>
+                <a:lnTo>
+                  <a:pt x="0" y="149"/>
+                </a:lnTo>
+                <a:lnTo>
+                  <a:pt x="75" y="259"/>
+                </a:lnTo>
+                <a:lnTo>
+                  <a:pt x="127" y="334"/>
+                </a:lnTo>
+                <a:lnTo>
+                  <a:pt x="151" y="368"/>
+                </a:lnTo>
+                <a:lnTo>
+                  <a:pt x="156" y="359"/>
+                </a:lnTo>
+                <a:lnTo>
+                  <a:pt x="173" y="334"/>
+                </a:lnTo>
+                <a:lnTo>
+                  <a:pt x="219" y="258"/>
+                </a:lnTo>
+                <a:lnTo>
+                  <a:pt x="288" y="146"/>
+                </a:lnTo>
+                <a:lnTo>
+                  <a:pt x="208" y="156"/>
+                </a:lnTo>
+                <a:lnTo>
+                  <a:pt x="144" y="0"/>
+                </a:lnTo>
+                <a:lnTo>
+                  <a:pt x="83" y="154"/>
+                </a:lnTo>
+                <a:close/>
+              </a:path>
+            </a:pathLst>
+          </a:custGeom>
+          <a:solidFill>
+            <a:srgbClr val="FF0000">
+              <a:alpha val="75000"/>
+            </a:srgbClr>
+          </a:solidFill>
+          <a:ln>
+            <a:noFill/>
+          </a:ln>
+          <a:extLst>
+            <a:ext uri="{91240B29-F687-4F45-9708-019B960494DF}">
+              <a14:hiddenLine xmlns:a14="http://schemas.microsoft.com/office/drawing/2010/main" w="9525">
+                <a:solidFill>
+                  <a:srgbClr val="000000"/>
+                </a:solidFill>
+                <a:round/>
+                <a:headEnd/>
+                <a:tailEnd/>
+              </a14:hiddenLine>
+            </a:ext>
+          </a:extLst>
+        </p:spPr>
+        <p:txBody>
+          <a:bodyPr/>
+          <a:lstStyle/>
+          <a:p>
+            <a:endParaRPr lang="zh-CN" altLang="en-US"/>
+          </a:p>
+        </p:txBody>
+      </p:sp>
     </p:spTree>
     <p:extLst>
       <p:ext uri="{BB962C8B-B14F-4D97-AF65-F5344CB8AC3E}">
@@ -6590,7 +8745,7 @@
 </p:sld>
 </file>
 
-<file path=ppt/slides/slide3.xml><?xml version="1.0" encoding="utf-8"?>
+<file path=ppt/slides/slide4.xml><?xml version="1.0" encoding="utf-8"?>
 <p:sld xmlns:a="http://schemas.openxmlformats.org/drawingml/2006/main" xmlns:r="http://schemas.openxmlformats.org/officeDocument/2006/relationships" xmlns:p="http://schemas.openxmlformats.org/presentationml/2006/main">
   <p:cSld>
     <p:spTree>
@@ -6924,7 +9079,7 @@
 </p:sld>
 </file>
 
-<file path=ppt/slides/slide4.xml><?xml version="1.0" encoding="utf-8"?>
+<file path=ppt/slides/slide5.xml><?xml version="1.0" encoding="utf-8"?>
 <p:sld xmlns:a="http://schemas.openxmlformats.org/drawingml/2006/main" xmlns:r="http://schemas.openxmlformats.org/officeDocument/2006/relationships" xmlns:p="http://schemas.openxmlformats.org/presentationml/2006/main">
   <p:cSld>
     <p:spTree>
@@ -7160,7 +9315,7 @@
 </p:sld>
 </file>
 
-<file path=ppt/slides/slide5.xml><?xml version="1.0" encoding="utf-8"?>
+<file path=ppt/slides/slide6.xml><?xml version="1.0" encoding="utf-8"?>
 <p:sld xmlns:a="http://schemas.openxmlformats.org/drawingml/2006/main" xmlns:r="http://schemas.openxmlformats.org/officeDocument/2006/relationships" xmlns:p="http://schemas.openxmlformats.org/presentationml/2006/main">
   <p:cSld>
     <p:spTree>
@@ -7528,7 +9683,7 @@
 </p:sld>
 </file>
 
-<file path=ppt/slides/slide6.xml><?xml version="1.0" encoding="utf-8"?>
+<file path=ppt/slides/slide7.xml><?xml version="1.0" encoding="utf-8"?>
 <p:sld xmlns:a="http://schemas.openxmlformats.org/drawingml/2006/main" xmlns:r="http://schemas.openxmlformats.org/officeDocument/2006/relationships" xmlns:p="http://schemas.openxmlformats.org/presentationml/2006/main">
   <p:cSld>
     <p:spTree>
@@ -7815,7 +9970,7 @@
 </p:sld>
 </file>
 
-<file path=ppt/slides/slide7.xml><?xml version="1.0" encoding="utf-8"?>
+<file path=ppt/slides/slide8.xml><?xml version="1.0" encoding="utf-8"?>
 <p:sld xmlns:a="http://schemas.openxmlformats.org/drawingml/2006/main" xmlns:r="http://schemas.openxmlformats.org/officeDocument/2006/relationships" xmlns:p="http://schemas.openxmlformats.org/presentationml/2006/main">
   <p:cSld>
     <p:spTree>
